--- a/Licenta2017AnghelacheOana-Iuliana/Prezentare.pptx
+++ b/Licenta2017AnghelacheOana-Iuliana/Prezentare.pptx
@@ -5,11 +5,18 @@
     <p:sldMasterId id="2147484029" r:id="rId1"/>
   </p:sldMasterIdLst>
   <p:notesMasterIdLst>
-    <p:notesMasterId r:id="rId4"/>
+    <p:notesMasterId r:id="rId11"/>
   </p:notesMasterIdLst>
   <p:sldIdLst>
     <p:sldId id="256" r:id="rId2"/>
     <p:sldId id="257" r:id="rId3"/>
+    <p:sldId id="258" r:id="rId4"/>
+    <p:sldId id="260" r:id="rId5"/>
+    <p:sldId id="261" r:id="rId6"/>
+    <p:sldId id="262" r:id="rId7"/>
+    <p:sldId id="263" r:id="rId8"/>
+    <p:sldId id="264" r:id="rId9"/>
+    <p:sldId id="265" r:id="rId10"/>
   </p:sldIdLst>
   <p:sldSz cx="12192000" cy="6858000"/>
   <p:notesSz cx="6858000" cy="9144000"/>
@@ -108,6 +115,11 @@
       </a:defRPr>
     </a:lvl9pPr>
   </p:defaultTextStyle>
+  <p:extLst>
+    <p:ext uri="{EFAFB233-063F-42B5-8137-9DF3F51BA10A}">
+      <p15:sldGuideLst xmlns:p15="http://schemas.microsoft.com/office/powerpoint/2012/main"/>
+    </p:ext>
+  </p:extLst>
 </p:presentation>
 </file>
 
@@ -193,7 +205,7 @@
           <a:p>
             <a:fld id="{E52D0A50-403C-4CEE-8734-A6AEE02557E8}" type="datetimeFigureOut">
               <a:rPr lang="ro-RO" smtClean="0"/>
-              <a:t>26.06.2017</a:t>
+              <a:t>30.06.2017</a:t>
             </a:fld>
             <a:endParaRPr lang="ro-RO"/>
           </a:p>
@@ -687,7 +699,7 @@
           <a:p>
             <a:fld id="{C7DAC575-4582-4F6D-AC89-8AD475F655AD}" type="datetime1">
               <a:rPr lang="en-US" smtClean="0"/>
-              <a:t>6/26/2017</a:t>
+              <a:t>6/30/2017</a:t>
             </a:fld>
             <a:endParaRPr lang="en-US" dirty="0"/>
           </a:p>
@@ -896,7 +908,7 @@
           <a:p>
             <a:fld id="{E14C3071-BF14-41AE-AF48-610920299640}" type="datetime1">
               <a:rPr lang="en-US" smtClean="0"/>
-              <a:t>6/26/2017</a:t>
+              <a:t>6/30/2017</a:t>
             </a:fld>
             <a:endParaRPr lang="en-US" dirty="0"/>
           </a:p>
@@ -1153,7 +1165,7 @@
           <a:p>
             <a:fld id="{FF47CD20-BA2C-467C-94DA-F52CA2E448DF}" type="datetime1">
               <a:rPr lang="en-US" smtClean="0"/>
-              <a:t>6/26/2017</a:t>
+              <a:t>6/30/2017</a:t>
             </a:fld>
             <a:endParaRPr lang="en-US" dirty="0"/>
           </a:p>
@@ -1328,7 +1340,7 @@
           <a:p>
             <a:fld id="{D1680FE8-5082-4D06-B4CD-7C758F992599}" type="datetime1">
               <a:rPr lang="en-US" smtClean="0"/>
-              <a:t>6/26/2017</a:t>
+              <a:t>6/30/2017</a:t>
             </a:fld>
             <a:endParaRPr lang="en-US" dirty="0"/>
           </a:p>
@@ -1664,7 +1676,7 @@
           <a:p>
             <a:fld id="{7F7E9C74-1E89-4913-8D4A-30C4F456B55A}" type="datetime1">
               <a:rPr lang="en-US" smtClean="0"/>
-              <a:t>6/26/2017</a:t>
+              <a:t>6/30/2017</a:t>
             </a:fld>
             <a:endParaRPr lang="en-US" dirty="0"/>
           </a:p>
@@ -1940,7 +1952,7 @@
           <a:p>
             <a:fld id="{F0FB7ABD-98D9-4821-8C13-3C6DCDDF7FC7}" type="datetime1">
               <a:rPr lang="en-US" smtClean="0"/>
-              <a:t>6/26/2017</a:t>
+              <a:t>6/30/2017</a:t>
             </a:fld>
             <a:endParaRPr lang="en-US" dirty="0"/>
           </a:p>
@@ -2320,7 +2332,7 @@
           <a:p>
             <a:fld id="{BFDF829A-5D36-4543-86A8-1693A478E517}" type="datetime1">
               <a:rPr lang="en-US" smtClean="0"/>
-              <a:t>6/26/2017</a:t>
+              <a:t>6/30/2017</a:t>
             </a:fld>
             <a:endParaRPr lang="en-US" dirty="0"/>
           </a:p>
@@ -2439,7 +2451,7 @@
           <a:p>
             <a:fld id="{B1C5582C-828A-4C24-936A-B01854D3EEB1}" type="datetime1">
               <a:rPr lang="en-US" smtClean="0"/>
-              <a:t>6/26/2017</a:t>
+              <a:t>6/30/2017</a:t>
             </a:fld>
             <a:endParaRPr lang="en-US" dirty="0"/>
           </a:p>
@@ -2611,7 +2623,7 @@
           <a:p>
             <a:fld id="{3F714B9F-30F1-4690-BE34-1FADADB4DCA8}" type="datetime1">
               <a:rPr lang="en-US" smtClean="0"/>
-              <a:t>6/26/2017</a:t>
+              <a:t>6/30/2017</a:t>
             </a:fld>
             <a:endParaRPr lang="en-US" dirty="0"/>
           </a:p>
@@ -2966,7 +2978,7 @@
           <a:p>
             <a:fld id="{83CF3CE4-4228-4EA8-8416-781B44933238}" type="datetime1">
               <a:rPr lang="en-US" smtClean="0"/>
-              <a:t>6/26/2017</a:t>
+              <a:t>6/30/2017</a:t>
             </a:fld>
             <a:endParaRPr lang="en-US" dirty="0"/>
           </a:p>
@@ -3349,7 +3361,7 @@
           <a:p>
             <a:fld id="{A7DA467E-3C1C-441E-9647-EA59459D79A9}" type="datetime1">
               <a:rPr lang="en-US" smtClean="0"/>
-              <a:t>6/26/2017</a:t>
+              <a:t>6/30/2017</a:t>
             </a:fld>
             <a:endParaRPr lang="en-US" dirty="0"/>
           </a:p>
@@ -3637,7 +3649,7 @@
           <a:p>
             <a:fld id="{1C1A8707-E0F0-414A-A63D-A64D2654834A}" type="datetime1">
               <a:rPr lang="en-US" smtClean="0"/>
-              <a:t>6/26/2017</a:t>
+              <a:t>6/30/2017</a:t>
             </a:fld>
             <a:endParaRPr lang="en-US" dirty="0"/>
           </a:p>
@@ -4173,7 +4185,12 @@
             <p:ph type="ctrTitle"/>
           </p:nvPr>
         </p:nvSpPr>
-        <p:spPr/>
+        <p:spPr>
+          <a:xfrm>
+            <a:off x="1100051" y="846352"/>
+            <a:ext cx="10058400" cy="2748103"/>
+          </a:xfrm>
+        </p:spPr>
         <p:txBody>
           <a:bodyPr>
             <a:noAutofit/>
@@ -4181,18 +4198,18 @@
           <a:lstStyle/>
           <a:p>
             <a:r>
-              <a:rPr lang="en-US" sz="7200" dirty="0" err="1" smtClean="0">
+              <a:rPr lang="en-US" sz="6000" dirty="0" err="1" smtClean="0">
                 <a:latin typeface="+mn-lt"/>
               </a:rPr>
               <a:t>Interfa</a:t>
             </a:r>
             <a:r>
-              <a:rPr lang="ro-RO" sz="7200" dirty="0" smtClean="0">
+              <a:rPr lang="ro-RO" sz="6000" dirty="0" smtClean="0">
                 <a:latin typeface="+mn-lt"/>
               </a:rPr>
               <a:t>ță Web pentru RMT și alte instrumente similare ca mod de funcționare</a:t>
             </a:r>
-            <a:endParaRPr lang="ro-RO" sz="7200" dirty="0">
+            <a:endParaRPr lang="ro-RO" sz="6000" dirty="0">
               <a:latin typeface="+mn-lt"/>
             </a:endParaRPr>
           </a:p>
@@ -4223,7 +4240,7 @@
           <a:p>
             <a:r>
               <a:rPr lang="ro-RO" sz="3000" b="1" cap="none" dirty="0" smtClean="0"/>
-              <a:t>Prof. Coordonator: Ștefan </a:t>
+              <a:t>Coordonator Științific: Ștefan </a:t>
             </a:r>
             <a:r>
               <a:rPr lang="ro-RO" sz="3000" b="1" cap="none" dirty="0"/>
@@ -4312,14 +4329,16 @@
         </p:nvSpPr>
         <p:spPr/>
         <p:txBody>
-          <a:bodyPr/>
-          <a:lstStyle/>
-          <a:p>
-            <a:r>
-              <a:rPr lang="ro-RO" dirty="0" smtClean="0"/>
+          <a:bodyPr>
+            <a:normAutofit/>
+          </a:bodyPr>
+          <a:lstStyle/>
+          <a:p>
+            <a:r>
+              <a:rPr lang="ro-RO" sz="5400" dirty="0" smtClean="0"/>
               <a:t>Cuprins</a:t>
             </a:r>
-            <a:endParaRPr lang="ro-RO" dirty="0"/>
+            <a:endParaRPr lang="ro-RO" sz="5400" dirty="0"/>
           </a:p>
         </p:txBody>
       </p:sp>
@@ -4333,15 +4352,89 @@
             <p:ph idx="1"/>
           </p:nvPr>
         </p:nvSpPr>
-        <p:spPr/>
-        <p:txBody>
-          <a:bodyPr/>
-          <a:lstStyle/>
-          <a:p>
-            <a:pPr marL="0" indent="0">
-              <a:buNone/>
+        <p:spPr>
+          <a:xfrm>
+            <a:off x="1097280" y="1845733"/>
+            <a:ext cx="10058400" cy="4316527"/>
+          </a:xfrm>
+        </p:spPr>
+        <p:txBody>
+          <a:bodyPr>
+            <a:normAutofit/>
+          </a:bodyPr>
+          <a:lstStyle/>
+          <a:p>
+            <a:pPr>
+              <a:buFont typeface="Arial" panose="020B0604020202020204" pitchFamily="34" charset="0"/>
+              <a:buChar char="•"/>
             </a:pPr>
             <a:endParaRPr lang="ro-RO" dirty="0" smtClean="0"/>
+          </a:p>
+          <a:p>
+            <a:pPr>
+              <a:buFont typeface="Arial" panose="020B0604020202020204" pitchFamily="34" charset="0"/>
+              <a:buChar char="•"/>
+            </a:pPr>
+            <a:r>
+              <a:rPr lang="ro-RO" sz="3600" dirty="0" smtClean="0"/>
+              <a:t> Funcționalități</a:t>
+            </a:r>
+          </a:p>
+          <a:p>
+            <a:pPr>
+              <a:buFont typeface="Arial" panose="020B0604020202020204" pitchFamily="34" charset="0"/>
+              <a:buChar char="•"/>
+            </a:pPr>
+            <a:r>
+              <a:rPr lang="ro-RO" sz="3600" dirty="0"/>
+              <a:t> </a:t>
+            </a:r>
+            <a:r>
+              <a:rPr lang="ro-RO" sz="3600" dirty="0" smtClean="0"/>
+              <a:t>Aplicația la nivel de frontend</a:t>
+            </a:r>
+          </a:p>
+          <a:p>
+            <a:pPr>
+              <a:buFont typeface="Arial" panose="020B0604020202020204" pitchFamily="34" charset="0"/>
+              <a:buChar char="•"/>
+            </a:pPr>
+            <a:r>
+              <a:rPr lang="ro-RO" sz="3600" dirty="0"/>
+              <a:t> </a:t>
+            </a:r>
+            <a:r>
+              <a:rPr lang="ro-RO" sz="3600" dirty="0" smtClean="0"/>
+              <a:t>Aplicația la nivel de backend</a:t>
+            </a:r>
+          </a:p>
+          <a:p>
+            <a:pPr>
+              <a:buFont typeface="Arial" panose="020B0604020202020204" pitchFamily="34" charset="0"/>
+              <a:buChar char="•"/>
+            </a:pPr>
+            <a:r>
+              <a:rPr lang="ro-RO" sz="3600" dirty="0"/>
+              <a:t> </a:t>
+            </a:r>
+            <a:r>
+              <a:rPr lang="ro-RO" sz="3600" dirty="0" smtClean="0"/>
+              <a:t>Măsuri de securitate</a:t>
+            </a:r>
+          </a:p>
+          <a:p>
+            <a:pPr>
+              <a:buFont typeface="Arial" panose="020B0604020202020204" pitchFamily="34" charset="0"/>
+              <a:buChar char="•"/>
+            </a:pPr>
+            <a:r>
+              <a:rPr lang="ro-RO" sz="3600" dirty="0"/>
+              <a:t> </a:t>
+            </a:r>
+            <a:r>
+              <a:rPr lang="ro-RO" sz="3600" dirty="0" smtClean="0"/>
+              <a:t>Concluzii</a:t>
+            </a:r>
           </a:p>
         </p:txBody>
       </p:sp>
@@ -4373,6 +4466,1769 @@
     <p:extLst>
       <p:ext uri="{BB962C8B-B14F-4D97-AF65-F5344CB8AC3E}">
         <p14:creationId xmlns:p14="http://schemas.microsoft.com/office/powerpoint/2010/main" val="2465672483"/>
+      </p:ext>
+    </p:extLst>
+  </p:cSld>
+  <p:clrMapOvr>
+    <a:masterClrMapping/>
+  </p:clrMapOvr>
+  <p:timing>
+    <p:tnLst>
+      <p:par>
+        <p:cTn id="1" dur="indefinite" restart="never" nodeType="tmRoot"/>
+      </p:par>
+    </p:tnLst>
+  </p:timing>
+</p:sld>
+</file>
+
+<file path=ppt/slides/slide3.xml><?xml version="1.0" encoding="utf-8"?>
+<p:sld xmlns:a="http://schemas.openxmlformats.org/drawingml/2006/main" xmlns:r="http://schemas.openxmlformats.org/officeDocument/2006/relationships" xmlns:p="http://schemas.openxmlformats.org/presentationml/2006/main">
+  <p:cSld>
+    <p:spTree>
+      <p:nvGrpSpPr>
+        <p:cNvPr id="1" name=""/>
+        <p:cNvGrpSpPr/>
+        <p:nvPr/>
+      </p:nvGrpSpPr>
+      <p:grpSpPr>
+        <a:xfrm>
+          <a:off x="0" y="0"/>
+          <a:ext cx="0" cy="0"/>
+          <a:chOff x="0" y="0"/>
+          <a:chExt cx="0" cy="0"/>
+        </a:xfrm>
+      </p:grpSpPr>
+      <p:sp>
+        <p:nvSpPr>
+          <p:cNvPr id="2" name="Title 1"/>
+          <p:cNvSpPr>
+            <a:spLocks noGrp="1"/>
+          </p:cNvSpPr>
+          <p:nvPr>
+            <p:ph type="title"/>
+          </p:nvPr>
+        </p:nvSpPr>
+        <p:spPr/>
+        <p:txBody>
+          <a:bodyPr/>
+          <a:lstStyle/>
+          <a:p>
+            <a:r>
+              <a:rPr lang="ro-RO" sz="5400" dirty="0"/>
+              <a:t>Funcționalități</a:t>
+            </a:r>
+          </a:p>
+        </p:txBody>
+      </p:sp>
+      <p:sp>
+        <p:nvSpPr>
+          <p:cNvPr id="3" name="Content Placeholder 2"/>
+          <p:cNvSpPr>
+            <a:spLocks noGrp="1"/>
+          </p:cNvSpPr>
+          <p:nvPr>
+            <p:ph idx="1"/>
+          </p:nvPr>
+        </p:nvSpPr>
+        <p:spPr>
+          <a:xfrm>
+            <a:off x="1097280" y="1737359"/>
+            <a:ext cx="10058400" cy="4438153"/>
+          </a:xfrm>
+        </p:spPr>
+        <p:txBody>
+          <a:bodyPr>
+            <a:normAutofit/>
+          </a:bodyPr>
+          <a:lstStyle/>
+          <a:p>
+            <a:endParaRPr lang="ro-RO" dirty="0" smtClean="0"/>
+          </a:p>
+          <a:p>
+            <a:pPr lvl="1">
+              <a:buFont typeface="Arial" panose="020B0604020202020204" pitchFamily="34" charset="0"/>
+              <a:buChar char="•"/>
+            </a:pPr>
+            <a:r>
+              <a:rPr lang="ro-RO" sz="3600" dirty="0"/>
+              <a:t> </a:t>
+            </a:r>
+            <a:r>
+              <a:rPr lang="ro-RO" sz="3600" dirty="0" smtClean="0"/>
+              <a:t>Execuția mai multor instrumente similare care rulează de la linia de comandă</a:t>
+            </a:r>
+          </a:p>
+          <a:p>
+            <a:pPr marL="201168" lvl="1" indent="0">
+              <a:buNone/>
+            </a:pPr>
+            <a:endParaRPr lang="ro-RO" sz="3600" dirty="0" smtClean="0"/>
+          </a:p>
+          <a:p>
+            <a:pPr lvl="1">
+              <a:buFont typeface="Arial" panose="020B0604020202020204" pitchFamily="34" charset="0"/>
+              <a:buChar char="•"/>
+            </a:pPr>
+            <a:r>
+              <a:rPr lang="ro-RO" sz="3600" dirty="0" smtClean="0"/>
+              <a:t> Definirea </a:t>
+            </a:r>
+            <a:r>
+              <a:rPr lang="ro-RO" sz="3600" dirty="0"/>
+              <a:t>propriilor </a:t>
+            </a:r>
+            <a:r>
+              <a:rPr lang="ro-RO" sz="3600" dirty="0" smtClean="0"/>
+              <a:t>comenzi </a:t>
+            </a:r>
+            <a:r>
+              <a:rPr lang="ro-RO" sz="3600" dirty="0"/>
+              <a:t>scrise într-un editor de text</a:t>
+            </a:r>
+          </a:p>
+          <a:p>
+            <a:pPr marL="201168" lvl="1" indent="0">
+              <a:buNone/>
+            </a:pPr>
+            <a:endParaRPr lang="ro-RO" sz="3600" dirty="0" smtClean="0"/>
+          </a:p>
+          <a:p>
+            <a:pPr marL="201168" lvl="1" indent="0">
+              <a:buNone/>
+            </a:pPr>
+            <a:endParaRPr lang="ro-RO" dirty="0" smtClean="0"/>
+          </a:p>
+        </p:txBody>
+      </p:sp>
+      <p:sp>
+        <p:nvSpPr>
+          <p:cNvPr id="4" name="Slide Number Placeholder 3"/>
+          <p:cNvSpPr>
+            <a:spLocks noGrp="1"/>
+          </p:cNvSpPr>
+          <p:nvPr>
+            <p:ph type="sldNum" sz="quarter" idx="12"/>
+          </p:nvPr>
+        </p:nvSpPr>
+        <p:spPr/>
+        <p:txBody>
+          <a:bodyPr/>
+          <a:lstStyle/>
+          <a:p>
+            <a:fld id="{4FAB73BC-B049-4115-A692-8D63A059BFB8}" type="slidenum">
+              <a:rPr lang="en-US" sz="2000" smtClean="0"/>
+              <a:pPr/>
+              <a:t>3</a:t>
+            </a:fld>
+            <a:endParaRPr lang="en-US" sz="2000" dirty="0"/>
+          </a:p>
+        </p:txBody>
+      </p:sp>
+    </p:spTree>
+    <p:extLst>
+      <p:ext uri="{BB962C8B-B14F-4D97-AF65-F5344CB8AC3E}">
+        <p14:creationId xmlns:p14="http://schemas.microsoft.com/office/powerpoint/2010/main" val="2414522752"/>
+      </p:ext>
+    </p:extLst>
+  </p:cSld>
+  <p:clrMapOvr>
+    <a:masterClrMapping/>
+  </p:clrMapOvr>
+  <p:timing>
+    <p:tnLst>
+      <p:par>
+        <p:cTn id="1" dur="indefinite" restart="never" nodeType="tmRoot"/>
+      </p:par>
+    </p:tnLst>
+  </p:timing>
+</p:sld>
+</file>
+
+<file path=ppt/slides/slide4.xml><?xml version="1.0" encoding="utf-8"?>
+<p:sld xmlns:a="http://schemas.openxmlformats.org/drawingml/2006/main" xmlns:r="http://schemas.openxmlformats.org/officeDocument/2006/relationships" xmlns:p="http://schemas.openxmlformats.org/presentationml/2006/main">
+  <p:cSld>
+    <p:spTree>
+      <p:nvGrpSpPr>
+        <p:cNvPr id="1" name=""/>
+        <p:cNvGrpSpPr/>
+        <p:nvPr/>
+      </p:nvGrpSpPr>
+      <p:grpSpPr>
+        <a:xfrm>
+          <a:off x="0" y="0"/>
+          <a:ext cx="0" cy="0"/>
+          <a:chOff x="0" y="0"/>
+          <a:chExt cx="0" cy="0"/>
+        </a:xfrm>
+      </p:grpSpPr>
+      <p:sp>
+        <p:nvSpPr>
+          <p:cNvPr id="2" name="Title 1"/>
+          <p:cNvSpPr>
+            <a:spLocks noGrp="1"/>
+          </p:cNvSpPr>
+          <p:nvPr>
+            <p:ph type="title"/>
+          </p:nvPr>
+        </p:nvSpPr>
+        <p:spPr/>
+        <p:txBody>
+          <a:bodyPr/>
+          <a:lstStyle/>
+          <a:p>
+            <a:r>
+              <a:rPr lang="ro-RO" sz="5400" dirty="0"/>
+              <a:t>Funcționalități</a:t>
+            </a:r>
+          </a:p>
+        </p:txBody>
+      </p:sp>
+      <p:sp>
+        <p:nvSpPr>
+          <p:cNvPr id="3" name="Content Placeholder 2"/>
+          <p:cNvSpPr>
+            <a:spLocks noGrp="1"/>
+          </p:cNvSpPr>
+          <p:nvPr>
+            <p:ph idx="1"/>
+          </p:nvPr>
+        </p:nvSpPr>
+        <p:spPr>
+          <a:xfrm>
+            <a:off x="1097280" y="1737360"/>
+            <a:ext cx="10058400" cy="4251004"/>
+          </a:xfrm>
+        </p:spPr>
+        <p:txBody>
+          <a:bodyPr>
+            <a:normAutofit/>
+          </a:bodyPr>
+          <a:lstStyle/>
+          <a:p>
+            <a:pPr lvl="1">
+              <a:buFont typeface="Arial" panose="020B0604020202020204" pitchFamily="34" charset="0"/>
+              <a:buChar char="•"/>
+            </a:pPr>
+            <a:endParaRPr lang="ro-RO" sz="2000" dirty="0" smtClean="0"/>
+          </a:p>
+          <a:p>
+            <a:pPr lvl="1">
+              <a:buFont typeface="Arial" panose="020B0604020202020204" pitchFamily="34" charset="0"/>
+              <a:buChar char="•"/>
+            </a:pPr>
+            <a:r>
+              <a:rPr lang="ro-RO" sz="3600" dirty="0" smtClean="0"/>
+              <a:t> Încărcarea </a:t>
+            </a:r>
+            <a:r>
+              <a:rPr lang="ro-RO" sz="3600" dirty="0"/>
+              <a:t>unor exemple predefinite pentru fiecare </a:t>
+            </a:r>
+            <a:r>
+              <a:rPr lang="ro-RO" sz="3600" dirty="0" smtClean="0"/>
+              <a:t>instrument</a:t>
+            </a:r>
+          </a:p>
+          <a:p>
+            <a:pPr marL="201168" lvl="1" indent="0">
+              <a:buNone/>
+            </a:pPr>
+            <a:endParaRPr lang="ro-RO" sz="3600" dirty="0"/>
+          </a:p>
+          <a:p>
+            <a:pPr lvl="1">
+              <a:buFont typeface="Arial" panose="020B0604020202020204" pitchFamily="34" charset="0"/>
+              <a:buChar char="•"/>
+            </a:pPr>
+            <a:r>
+              <a:rPr lang="ro-RO" sz="3600" dirty="0" smtClean="0"/>
+              <a:t> Întreruperea </a:t>
+            </a:r>
+            <a:r>
+              <a:rPr lang="ro-RO" sz="3600" dirty="0"/>
+              <a:t>execuției unui </a:t>
+            </a:r>
+            <a:r>
+              <a:rPr lang="ro-RO" sz="3600" dirty="0" smtClean="0"/>
+              <a:t>instrument</a:t>
+            </a:r>
+            <a:endParaRPr lang="ro-RO" sz="3600" dirty="0"/>
+          </a:p>
+          <a:p>
+            <a:pPr lvl="1">
+              <a:buFont typeface="Arial" panose="020B0604020202020204" pitchFamily="34" charset="0"/>
+              <a:buChar char="•"/>
+            </a:pPr>
+            <a:endParaRPr lang="ro-RO" sz="3600" dirty="0" smtClean="0"/>
+          </a:p>
+          <a:p>
+            <a:pPr lvl="1">
+              <a:buFont typeface="Arial" panose="020B0604020202020204" pitchFamily="34" charset="0"/>
+              <a:buChar char="•"/>
+            </a:pPr>
+            <a:r>
+              <a:rPr lang="ro-RO" sz="3600" dirty="0"/>
+              <a:t> </a:t>
+            </a:r>
+            <a:r>
+              <a:rPr lang="ro-RO" sz="3600" dirty="0" smtClean="0"/>
+              <a:t>Afișarea rezultatelor obținute</a:t>
+            </a:r>
+            <a:endParaRPr lang="ro-RO" sz="3600" dirty="0"/>
+          </a:p>
+        </p:txBody>
+      </p:sp>
+      <p:sp>
+        <p:nvSpPr>
+          <p:cNvPr id="4" name="Slide Number Placeholder 3"/>
+          <p:cNvSpPr>
+            <a:spLocks noGrp="1"/>
+          </p:cNvSpPr>
+          <p:nvPr>
+            <p:ph type="sldNum" sz="quarter" idx="12"/>
+          </p:nvPr>
+        </p:nvSpPr>
+        <p:spPr/>
+        <p:txBody>
+          <a:bodyPr/>
+          <a:lstStyle/>
+          <a:p>
+            <a:fld id="{4FAB73BC-B049-4115-A692-8D63A059BFB8}" type="slidenum">
+              <a:rPr lang="en-US" sz="2000" smtClean="0"/>
+              <a:pPr/>
+              <a:t>4</a:t>
+            </a:fld>
+            <a:endParaRPr lang="en-US" sz="2000" dirty="0"/>
+          </a:p>
+        </p:txBody>
+      </p:sp>
+    </p:spTree>
+    <p:extLst>
+      <p:ext uri="{BB962C8B-B14F-4D97-AF65-F5344CB8AC3E}">
+        <p14:creationId xmlns:p14="http://schemas.microsoft.com/office/powerpoint/2010/main" val="4187951983"/>
+      </p:ext>
+    </p:extLst>
+  </p:cSld>
+  <p:clrMapOvr>
+    <a:masterClrMapping/>
+  </p:clrMapOvr>
+  <p:timing>
+    <p:tnLst>
+      <p:par>
+        <p:cTn id="1" dur="indefinite" restart="never" nodeType="tmRoot"/>
+      </p:par>
+    </p:tnLst>
+  </p:timing>
+</p:sld>
+</file>
+
+<file path=ppt/slides/slide5.xml><?xml version="1.0" encoding="utf-8"?>
+<p:sld xmlns:a="http://schemas.openxmlformats.org/drawingml/2006/main" xmlns:r="http://schemas.openxmlformats.org/officeDocument/2006/relationships" xmlns:p="http://schemas.openxmlformats.org/presentationml/2006/main">
+  <p:cSld>
+    <p:spTree>
+      <p:nvGrpSpPr>
+        <p:cNvPr id="1" name=""/>
+        <p:cNvGrpSpPr/>
+        <p:nvPr/>
+      </p:nvGrpSpPr>
+      <p:grpSpPr>
+        <a:xfrm>
+          <a:off x="0" y="0"/>
+          <a:ext cx="0" cy="0"/>
+          <a:chOff x="0" y="0"/>
+          <a:chExt cx="0" cy="0"/>
+        </a:xfrm>
+      </p:grpSpPr>
+      <p:sp>
+        <p:nvSpPr>
+          <p:cNvPr id="2" name="Title 1"/>
+          <p:cNvSpPr>
+            <a:spLocks noGrp="1"/>
+          </p:cNvSpPr>
+          <p:nvPr>
+            <p:ph type="title"/>
+          </p:nvPr>
+        </p:nvSpPr>
+        <p:spPr/>
+        <p:txBody>
+          <a:bodyPr>
+            <a:normAutofit/>
+          </a:bodyPr>
+          <a:lstStyle/>
+          <a:p>
+            <a:r>
+              <a:rPr lang="ro-RO" sz="5400" dirty="0" smtClean="0"/>
+              <a:t>Aplicația la nivel de frontend</a:t>
+            </a:r>
+            <a:endParaRPr lang="ro-RO" sz="5400" dirty="0"/>
+          </a:p>
+        </p:txBody>
+      </p:sp>
+      <p:sp>
+        <p:nvSpPr>
+          <p:cNvPr id="3" name="Content Placeholder 2"/>
+          <p:cNvSpPr>
+            <a:spLocks noGrp="1"/>
+          </p:cNvSpPr>
+          <p:nvPr>
+            <p:ph idx="1"/>
+          </p:nvPr>
+        </p:nvSpPr>
+        <p:spPr/>
+        <p:txBody>
+          <a:bodyPr/>
+          <a:lstStyle/>
+          <a:p>
+            <a:pPr marL="0" indent="0">
+              <a:buNone/>
+            </a:pPr>
+            <a:endParaRPr lang="ro-RO" dirty="0"/>
+          </a:p>
+          <a:p>
+            <a:pPr marL="0" indent="0">
+              <a:buNone/>
+            </a:pPr>
+            <a:endParaRPr lang="ro-RO" sz="3600" dirty="0" smtClean="0"/>
+          </a:p>
+          <a:p>
+            <a:pPr marL="0" indent="0">
+              <a:buNone/>
+            </a:pPr>
+            <a:r>
+              <a:rPr lang="ro-RO" sz="3600" dirty="0" smtClean="0"/>
+              <a:t> AngularJS și modularitatea</a:t>
+            </a:r>
+            <a:endParaRPr lang="ro-RO" sz="3600" dirty="0"/>
+          </a:p>
+        </p:txBody>
+      </p:sp>
+      <p:sp>
+        <p:nvSpPr>
+          <p:cNvPr id="4" name="Slide Number Placeholder 3"/>
+          <p:cNvSpPr>
+            <a:spLocks noGrp="1"/>
+          </p:cNvSpPr>
+          <p:nvPr>
+            <p:ph type="sldNum" sz="quarter" idx="12"/>
+          </p:nvPr>
+        </p:nvSpPr>
+        <p:spPr/>
+        <p:txBody>
+          <a:bodyPr/>
+          <a:lstStyle/>
+          <a:p>
+            <a:fld id="{4FAB73BC-B049-4115-A692-8D63A059BFB8}" type="slidenum">
+              <a:rPr lang="en-US" sz="2000" smtClean="0"/>
+              <a:pPr/>
+              <a:t>5</a:t>
+            </a:fld>
+            <a:endParaRPr lang="en-US" sz="2000" dirty="0"/>
+          </a:p>
+        </p:txBody>
+      </p:sp>
+    </p:spTree>
+    <p:extLst>
+      <p:ext uri="{BB962C8B-B14F-4D97-AF65-F5344CB8AC3E}">
+        <p14:creationId xmlns:p14="http://schemas.microsoft.com/office/powerpoint/2010/main" val="523488221"/>
+      </p:ext>
+    </p:extLst>
+  </p:cSld>
+  <p:clrMapOvr>
+    <a:masterClrMapping/>
+  </p:clrMapOvr>
+  <p:timing>
+    <p:tnLst>
+      <p:par>
+        <p:cTn id="1" dur="indefinite" restart="never" nodeType="tmRoot"/>
+      </p:par>
+    </p:tnLst>
+  </p:timing>
+</p:sld>
+</file>
+
+<file path=ppt/slides/slide6.xml><?xml version="1.0" encoding="utf-8"?>
+<p:sld xmlns:a="http://schemas.openxmlformats.org/drawingml/2006/main" xmlns:r="http://schemas.openxmlformats.org/officeDocument/2006/relationships" xmlns:p="http://schemas.openxmlformats.org/presentationml/2006/main">
+  <p:cSld>
+    <p:spTree>
+      <p:nvGrpSpPr>
+        <p:cNvPr id="1" name=""/>
+        <p:cNvGrpSpPr/>
+        <p:nvPr/>
+      </p:nvGrpSpPr>
+      <p:grpSpPr>
+        <a:xfrm>
+          <a:off x="0" y="0"/>
+          <a:ext cx="0" cy="0"/>
+          <a:chOff x="0" y="0"/>
+          <a:chExt cx="0" cy="0"/>
+        </a:xfrm>
+      </p:grpSpPr>
+      <p:sp>
+        <p:nvSpPr>
+          <p:cNvPr id="2" name="Title 1"/>
+          <p:cNvSpPr>
+            <a:spLocks noGrp="1"/>
+          </p:cNvSpPr>
+          <p:nvPr>
+            <p:ph type="title"/>
+          </p:nvPr>
+        </p:nvSpPr>
+        <p:spPr/>
+        <p:txBody>
+          <a:bodyPr>
+            <a:normAutofit/>
+          </a:bodyPr>
+          <a:lstStyle/>
+          <a:p>
+            <a:r>
+              <a:rPr lang="ro-RO" sz="5400" dirty="0" smtClean="0"/>
+              <a:t>Aplicația la nivel de backend</a:t>
+            </a:r>
+            <a:endParaRPr lang="ro-RO" sz="5400" dirty="0"/>
+          </a:p>
+        </p:txBody>
+      </p:sp>
+      <p:sp>
+        <p:nvSpPr>
+          <p:cNvPr id="3" name="Content Placeholder 2"/>
+          <p:cNvSpPr>
+            <a:spLocks noGrp="1"/>
+          </p:cNvSpPr>
+          <p:nvPr>
+            <p:ph idx="1"/>
+          </p:nvPr>
+        </p:nvSpPr>
+        <p:spPr/>
+        <p:txBody>
+          <a:bodyPr/>
+          <a:lstStyle/>
+          <a:p>
+            <a:endParaRPr lang="ro-RO" dirty="0" smtClean="0"/>
+          </a:p>
+          <a:p>
+            <a:endParaRPr lang="ro-RO" sz="3600" dirty="0"/>
+          </a:p>
+          <a:p>
+            <a:r>
+              <a:rPr lang="ro-RO" sz="3600" dirty="0" smtClean="0"/>
+              <a:t>Execuția instrumentelor în PHP</a:t>
+            </a:r>
+            <a:endParaRPr lang="ro-RO" sz="3600" dirty="0"/>
+          </a:p>
+        </p:txBody>
+      </p:sp>
+      <p:sp>
+        <p:nvSpPr>
+          <p:cNvPr id="4" name="Slide Number Placeholder 3"/>
+          <p:cNvSpPr>
+            <a:spLocks noGrp="1"/>
+          </p:cNvSpPr>
+          <p:nvPr>
+            <p:ph type="sldNum" sz="quarter" idx="12"/>
+          </p:nvPr>
+        </p:nvSpPr>
+        <p:spPr/>
+        <p:txBody>
+          <a:bodyPr/>
+          <a:lstStyle/>
+          <a:p>
+            <a:fld id="{4FAB73BC-B049-4115-A692-8D63A059BFB8}" type="slidenum">
+              <a:rPr lang="en-US" sz="2000" smtClean="0"/>
+              <a:pPr/>
+              <a:t>6</a:t>
+            </a:fld>
+            <a:endParaRPr lang="en-US" sz="2000" dirty="0"/>
+          </a:p>
+        </p:txBody>
+      </p:sp>
+    </p:spTree>
+    <p:extLst>
+      <p:ext uri="{BB962C8B-B14F-4D97-AF65-F5344CB8AC3E}">
+        <p14:creationId xmlns:p14="http://schemas.microsoft.com/office/powerpoint/2010/main" val="1601766298"/>
+      </p:ext>
+    </p:extLst>
+  </p:cSld>
+  <p:clrMapOvr>
+    <a:masterClrMapping/>
+  </p:clrMapOvr>
+  <p:timing>
+    <p:tnLst>
+      <p:par>
+        <p:cTn id="1" dur="indefinite" restart="never" nodeType="tmRoot"/>
+      </p:par>
+    </p:tnLst>
+  </p:timing>
+</p:sld>
+</file>
+
+<file path=ppt/slides/slide7.xml><?xml version="1.0" encoding="utf-8"?>
+<p:sld xmlns:a="http://schemas.openxmlformats.org/drawingml/2006/main" xmlns:r="http://schemas.openxmlformats.org/officeDocument/2006/relationships" xmlns:p="http://schemas.openxmlformats.org/presentationml/2006/main">
+  <p:cSld>
+    <p:spTree>
+      <p:nvGrpSpPr>
+        <p:cNvPr id="1" name=""/>
+        <p:cNvGrpSpPr/>
+        <p:nvPr/>
+      </p:nvGrpSpPr>
+      <p:grpSpPr>
+        <a:xfrm>
+          <a:off x="0" y="0"/>
+          <a:ext cx="0" cy="0"/>
+          <a:chOff x="0" y="0"/>
+          <a:chExt cx="0" cy="0"/>
+        </a:xfrm>
+      </p:grpSpPr>
+      <p:sp>
+        <p:nvSpPr>
+          <p:cNvPr id="2" name="Title 1"/>
+          <p:cNvSpPr>
+            <a:spLocks noGrp="1"/>
+          </p:cNvSpPr>
+          <p:nvPr>
+            <p:ph type="title"/>
+          </p:nvPr>
+        </p:nvSpPr>
+        <p:spPr/>
+        <p:txBody>
+          <a:bodyPr>
+            <a:normAutofit/>
+          </a:bodyPr>
+          <a:lstStyle/>
+          <a:p>
+            <a:r>
+              <a:rPr lang="ro-RO" sz="5400" dirty="0" smtClean="0"/>
+              <a:t>Măsuri de securitate</a:t>
+            </a:r>
+            <a:endParaRPr lang="ro-RO" sz="5400" dirty="0"/>
+          </a:p>
+        </p:txBody>
+      </p:sp>
+      <p:sp>
+        <p:nvSpPr>
+          <p:cNvPr id="3" name="Content Placeholder 2"/>
+          <p:cNvSpPr>
+            <a:spLocks noGrp="1"/>
+          </p:cNvSpPr>
+          <p:nvPr>
+            <p:ph idx="1"/>
+          </p:nvPr>
+        </p:nvSpPr>
+        <p:spPr/>
+        <p:txBody>
+          <a:bodyPr/>
+          <a:lstStyle/>
+          <a:p>
+            <a:pPr marL="0" indent="0">
+              <a:buNone/>
+            </a:pPr>
+            <a:endParaRPr lang="ro-RO" sz="3600" dirty="0" smtClean="0"/>
+          </a:p>
+          <a:p>
+            <a:r>
+              <a:rPr lang="ro-RO" sz="3600" dirty="0" smtClean="0"/>
+              <a:t>Docker este o platformă ce încapsulează și gestionează aplicații Linux</a:t>
+            </a:r>
+          </a:p>
+          <a:p>
+            <a:pPr marL="0" indent="0">
+              <a:buNone/>
+            </a:pPr>
+            <a:endParaRPr lang="ro-RO" sz="3600" dirty="0"/>
+          </a:p>
+        </p:txBody>
+      </p:sp>
+      <p:sp>
+        <p:nvSpPr>
+          <p:cNvPr id="4" name="Slide Number Placeholder 3"/>
+          <p:cNvSpPr>
+            <a:spLocks noGrp="1"/>
+          </p:cNvSpPr>
+          <p:nvPr>
+            <p:ph type="sldNum" sz="quarter" idx="12"/>
+          </p:nvPr>
+        </p:nvSpPr>
+        <p:spPr/>
+        <p:txBody>
+          <a:bodyPr/>
+          <a:lstStyle/>
+          <a:p>
+            <a:fld id="{4FAB73BC-B049-4115-A692-8D63A059BFB8}" type="slidenum">
+              <a:rPr lang="en-US" sz="2000" smtClean="0"/>
+              <a:pPr/>
+              <a:t>7</a:t>
+            </a:fld>
+            <a:endParaRPr lang="en-US" sz="2000" dirty="0"/>
+          </a:p>
+        </p:txBody>
+      </p:sp>
+    </p:spTree>
+    <p:extLst>
+      <p:ext uri="{BB962C8B-B14F-4D97-AF65-F5344CB8AC3E}">
+        <p14:creationId xmlns:p14="http://schemas.microsoft.com/office/powerpoint/2010/main" val="3198740680"/>
+      </p:ext>
+    </p:extLst>
+  </p:cSld>
+  <p:clrMapOvr>
+    <a:masterClrMapping/>
+  </p:clrMapOvr>
+  <p:timing>
+    <p:tnLst>
+      <p:par>
+        <p:cTn id="1" dur="indefinite" restart="never" nodeType="tmRoot"/>
+      </p:par>
+    </p:tnLst>
+  </p:timing>
+</p:sld>
+</file>
+
+<file path=ppt/slides/slide8.xml><?xml version="1.0" encoding="utf-8"?>
+<p:sld xmlns:a="http://schemas.openxmlformats.org/drawingml/2006/main" xmlns:r="http://schemas.openxmlformats.org/officeDocument/2006/relationships" xmlns:p="http://schemas.openxmlformats.org/presentationml/2006/main">
+  <p:cSld>
+    <p:spTree>
+      <p:nvGrpSpPr>
+        <p:cNvPr id="1" name=""/>
+        <p:cNvGrpSpPr/>
+        <p:nvPr/>
+      </p:nvGrpSpPr>
+      <p:grpSpPr>
+        <a:xfrm>
+          <a:off x="0" y="0"/>
+          <a:ext cx="0" cy="0"/>
+          <a:chOff x="0" y="0"/>
+          <a:chExt cx="0" cy="0"/>
+        </a:xfrm>
+      </p:grpSpPr>
+      <p:sp>
+        <p:nvSpPr>
+          <p:cNvPr id="2" name="Title 1"/>
+          <p:cNvSpPr>
+            <a:spLocks noGrp="1"/>
+          </p:cNvSpPr>
+          <p:nvPr>
+            <p:ph type="title"/>
+          </p:nvPr>
+        </p:nvSpPr>
+        <p:spPr/>
+        <p:txBody>
+          <a:bodyPr>
+            <a:normAutofit/>
+          </a:bodyPr>
+          <a:lstStyle/>
+          <a:p>
+            <a:r>
+              <a:rPr lang="ro-RO" sz="5400" dirty="0" smtClean="0"/>
+              <a:t>Măsuri de securitate</a:t>
+            </a:r>
+            <a:endParaRPr lang="ro-RO" sz="5400" dirty="0"/>
+          </a:p>
+        </p:txBody>
+      </p:sp>
+      <p:sp>
+        <p:nvSpPr>
+          <p:cNvPr id="3" name="Content Placeholder 2"/>
+          <p:cNvSpPr>
+            <a:spLocks noGrp="1"/>
+          </p:cNvSpPr>
+          <p:nvPr>
+            <p:ph idx="1"/>
+          </p:nvPr>
+        </p:nvSpPr>
+        <p:spPr/>
+        <p:txBody>
+          <a:bodyPr/>
+          <a:lstStyle/>
+          <a:p>
+            <a:pPr marL="0" indent="0">
+              <a:buNone/>
+            </a:pPr>
+            <a:endParaRPr lang="ro-RO" sz="3600" dirty="0" smtClean="0"/>
+          </a:p>
+          <a:p>
+            <a:pPr marL="0" indent="0">
+              <a:buNone/>
+            </a:pPr>
+            <a:endParaRPr lang="ro-RO" sz="3600" dirty="0"/>
+          </a:p>
+        </p:txBody>
+      </p:sp>
+      <p:sp>
+        <p:nvSpPr>
+          <p:cNvPr id="4" name="Slide Number Placeholder 3"/>
+          <p:cNvSpPr>
+            <a:spLocks noGrp="1"/>
+          </p:cNvSpPr>
+          <p:nvPr>
+            <p:ph type="sldNum" sz="quarter" idx="12"/>
+          </p:nvPr>
+        </p:nvSpPr>
+        <p:spPr/>
+        <p:txBody>
+          <a:bodyPr/>
+          <a:lstStyle/>
+          <a:p>
+            <a:fld id="{4FAB73BC-B049-4115-A692-8D63A059BFB8}" type="slidenum">
+              <a:rPr lang="en-US" sz="2000" smtClean="0"/>
+              <a:pPr/>
+              <a:t>8</a:t>
+            </a:fld>
+            <a:endParaRPr lang="en-US" sz="2000" dirty="0"/>
+          </a:p>
+        </p:txBody>
+      </p:sp>
+      <p:sp>
+        <p:nvSpPr>
+          <p:cNvPr id="5" name="Content Placeholder 2"/>
+          <p:cNvSpPr txBox="1">
+            <a:spLocks/>
+          </p:cNvSpPr>
+          <p:nvPr/>
+        </p:nvSpPr>
+        <p:spPr>
+          <a:xfrm>
+            <a:off x="1097280" y="1954108"/>
+            <a:ext cx="10058400" cy="4023360"/>
+          </a:xfrm>
+          <a:prstGeom prst="rect">
+            <a:avLst/>
+          </a:prstGeom>
+        </p:spPr>
+        <p:txBody>
+          <a:bodyPr vert="horz" lIns="0" tIns="45720" rIns="0" bIns="45720" rtlCol="0">
+            <a:normAutofit/>
+          </a:bodyPr>
+          <a:lstStyle>
+            <a:lvl1pPr marL="91440" indent="-91440" algn="l" defTabSz="914400" rtl="0" eaLnBrk="1" latinLnBrk="0" hangingPunct="1">
+              <a:lnSpc>
+                <a:spcPct val="90000"/>
+              </a:lnSpc>
+              <a:spcBef>
+                <a:spcPts val="1200"/>
+              </a:spcBef>
+              <a:spcAft>
+                <a:spcPts val="200"/>
+              </a:spcAft>
+              <a:buClr>
+                <a:schemeClr val="accent1"/>
+              </a:buClr>
+              <a:buSzPct val="100000"/>
+              <a:buFont typeface="Calibri" panose="020F0502020204030204" pitchFamily="34" charset="0"/>
+              <a:buChar char=" "/>
+              <a:defRPr sz="2000" kern="1200">
+                <a:solidFill>
+                  <a:schemeClr val="tx1">
+                    <a:lumMod val="75000"/>
+                    <a:lumOff val="25000"/>
+                  </a:schemeClr>
+                </a:solidFill>
+                <a:latin typeface="+mn-lt"/>
+                <a:ea typeface="+mn-ea"/>
+                <a:cs typeface="+mn-cs"/>
+              </a:defRPr>
+            </a:lvl1pPr>
+            <a:lvl2pPr marL="384048" indent="-182880" algn="l" defTabSz="914400" rtl="0" eaLnBrk="1" latinLnBrk="0" hangingPunct="1">
+              <a:lnSpc>
+                <a:spcPct val="90000"/>
+              </a:lnSpc>
+              <a:spcBef>
+                <a:spcPts val="200"/>
+              </a:spcBef>
+              <a:spcAft>
+                <a:spcPts val="400"/>
+              </a:spcAft>
+              <a:buClr>
+                <a:schemeClr val="accent1"/>
+              </a:buClr>
+              <a:buFont typeface="Calibri" pitchFamily="34" charset="0"/>
+              <a:buChar char="◦"/>
+              <a:defRPr sz="1800" kern="1200">
+                <a:solidFill>
+                  <a:schemeClr val="tx1">
+                    <a:lumMod val="75000"/>
+                    <a:lumOff val="25000"/>
+                  </a:schemeClr>
+                </a:solidFill>
+                <a:latin typeface="+mn-lt"/>
+                <a:ea typeface="+mn-ea"/>
+                <a:cs typeface="+mn-cs"/>
+              </a:defRPr>
+            </a:lvl2pPr>
+            <a:lvl3pPr marL="566928" indent="-182880" algn="l" defTabSz="914400" rtl="0" eaLnBrk="1" latinLnBrk="0" hangingPunct="1">
+              <a:lnSpc>
+                <a:spcPct val="90000"/>
+              </a:lnSpc>
+              <a:spcBef>
+                <a:spcPts val="200"/>
+              </a:spcBef>
+              <a:spcAft>
+                <a:spcPts val="400"/>
+              </a:spcAft>
+              <a:buClr>
+                <a:schemeClr val="accent1"/>
+              </a:buClr>
+              <a:buFont typeface="Calibri" pitchFamily="34" charset="0"/>
+              <a:buChar char="◦"/>
+              <a:defRPr sz="1400" kern="1200">
+                <a:solidFill>
+                  <a:schemeClr val="tx1">
+                    <a:lumMod val="75000"/>
+                    <a:lumOff val="25000"/>
+                  </a:schemeClr>
+                </a:solidFill>
+                <a:latin typeface="+mn-lt"/>
+                <a:ea typeface="+mn-ea"/>
+                <a:cs typeface="+mn-cs"/>
+              </a:defRPr>
+            </a:lvl3pPr>
+            <a:lvl4pPr marL="749808" indent="-182880" algn="l" defTabSz="914400" rtl="0" eaLnBrk="1" latinLnBrk="0" hangingPunct="1">
+              <a:lnSpc>
+                <a:spcPct val="90000"/>
+              </a:lnSpc>
+              <a:spcBef>
+                <a:spcPts val="200"/>
+              </a:spcBef>
+              <a:spcAft>
+                <a:spcPts val="400"/>
+              </a:spcAft>
+              <a:buClr>
+                <a:schemeClr val="accent1"/>
+              </a:buClr>
+              <a:buFont typeface="Calibri" pitchFamily="34" charset="0"/>
+              <a:buChar char="◦"/>
+              <a:defRPr sz="1400" kern="1200">
+                <a:solidFill>
+                  <a:schemeClr val="tx1">
+                    <a:lumMod val="75000"/>
+                    <a:lumOff val="25000"/>
+                  </a:schemeClr>
+                </a:solidFill>
+                <a:latin typeface="+mn-lt"/>
+                <a:ea typeface="+mn-ea"/>
+                <a:cs typeface="+mn-cs"/>
+              </a:defRPr>
+            </a:lvl4pPr>
+            <a:lvl5pPr marL="932688" indent="-182880" algn="l" defTabSz="914400" rtl="0" eaLnBrk="1" latinLnBrk="0" hangingPunct="1">
+              <a:lnSpc>
+                <a:spcPct val="90000"/>
+              </a:lnSpc>
+              <a:spcBef>
+                <a:spcPts val="200"/>
+              </a:spcBef>
+              <a:spcAft>
+                <a:spcPts val="400"/>
+              </a:spcAft>
+              <a:buClr>
+                <a:schemeClr val="accent1"/>
+              </a:buClr>
+              <a:buFont typeface="Calibri" pitchFamily="34" charset="0"/>
+              <a:buChar char="◦"/>
+              <a:defRPr sz="1400" kern="1200">
+                <a:solidFill>
+                  <a:schemeClr val="tx1">
+                    <a:lumMod val="75000"/>
+                    <a:lumOff val="25000"/>
+                  </a:schemeClr>
+                </a:solidFill>
+                <a:latin typeface="+mn-lt"/>
+                <a:ea typeface="+mn-ea"/>
+                <a:cs typeface="+mn-cs"/>
+              </a:defRPr>
+            </a:lvl5pPr>
+            <a:lvl6pPr marL="1100000" indent="-228600" algn="l" defTabSz="914400" rtl="0" eaLnBrk="1" latinLnBrk="0" hangingPunct="1">
+              <a:lnSpc>
+                <a:spcPct val="90000"/>
+              </a:lnSpc>
+              <a:spcBef>
+                <a:spcPts val="200"/>
+              </a:spcBef>
+              <a:spcAft>
+                <a:spcPts val="400"/>
+              </a:spcAft>
+              <a:buClr>
+                <a:schemeClr val="accent1"/>
+              </a:buClr>
+              <a:buFont typeface="Calibri" pitchFamily="34" charset="0"/>
+              <a:buChar char="◦"/>
+              <a:defRPr sz="1400" kern="1200">
+                <a:solidFill>
+                  <a:schemeClr val="tx1">
+                    <a:lumMod val="75000"/>
+                    <a:lumOff val="25000"/>
+                  </a:schemeClr>
+                </a:solidFill>
+                <a:latin typeface="+mn-lt"/>
+                <a:ea typeface="+mn-ea"/>
+                <a:cs typeface="+mn-cs"/>
+              </a:defRPr>
+            </a:lvl6pPr>
+            <a:lvl7pPr marL="1300000" indent="-228600" algn="l" defTabSz="914400" rtl="0" eaLnBrk="1" latinLnBrk="0" hangingPunct="1">
+              <a:lnSpc>
+                <a:spcPct val="90000"/>
+              </a:lnSpc>
+              <a:spcBef>
+                <a:spcPts val="200"/>
+              </a:spcBef>
+              <a:spcAft>
+                <a:spcPts val="400"/>
+              </a:spcAft>
+              <a:buClr>
+                <a:schemeClr val="accent1"/>
+              </a:buClr>
+              <a:buFont typeface="Calibri" pitchFamily="34" charset="0"/>
+              <a:buChar char="◦"/>
+              <a:defRPr sz="1400" kern="1200">
+                <a:solidFill>
+                  <a:schemeClr val="tx1">
+                    <a:lumMod val="75000"/>
+                    <a:lumOff val="25000"/>
+                  </a:schemeClr>
+                </a:solidFill>
+                <a:latin typeface="+mn-lt"/>
+                <a:ea typeface="+mn-ea"/>
+                <a:cs typeface="+mn-cs"/>
+              </a:defRPr>
+            </a:lvl7pPr>
+            <a:lvl8pPr marL="1500000" indent="-228600" algn="l" defTabSz="914400" rtl="0" eaLnBrk="1" latinLnBrk="0" hangingPunct="1">
+              <a:lnSpc>
+                <a:spcPct val="90000"/>
+              </a:lnSpc>
+              <a:spcBef>
+                <a:spcPts val="200"/>
+              </a:spcBef>
+              <a:spcAft>
+                <a:spcPts val="400"/>
+              </a:spcAft>
+              <a:buClr>
+                <a:schemeClr val="accent1"/>
+              </a:buClr>
+              <a:buFont typeface="Calibri" pitchFamily="34" charset="0"/>
+              <a:buChar char="◦"/>
+              <a:defRPr sz="1400" kern="1200">
+                <a:solidFill>
+                  <a:schemeClr val="tx1">
+                    <a:lumMod val="75000"/>
+                    <a:lumOff val="25000"/>
+                  </a:schemeClr>
+                </a:solidFill>
+                <a:latin typeface="+mn-lt"/>
+                <a:ea typeface="+mn-ea"/>
+                <a:cs typeface="+mn-cs"/>
+              </a:defRPr>
+            </a:lvl8pPr>
+            <a:lvl9pPr marL="1700000" indent="-228600" algn="l" defTabSz="914400" rtl="0" eaLnBrk="1" latinLnBrk="0" hangingPunct="1">
+              <a:lnSpc>
+                <a:spcPct val="90000"/>
+              </a:lnSpc>
+              <a:spcBef>
+                <a:spcPts val="200"/>
+              </a:spcBef>
+              <a:spcAft>
+                <a:spcPts val="400"/>
+              </a:spcAft>
+              <a:buClr>
+                <a:schemeClr val="accent1"/>
+              </a:buClr>
+              <a:buFont typeface="Calibri" pitchFamily="34" charset="0"/>
+              <a:buChar char="◦"/>
+              <a:defRPr sz="1400" kern="1200">
+                <a:solidFill>
+                  <a:schemeClr val="tx1">
+                    <a:lumMod val="75000"/>
+                    <a:lumOff val="25000"/>
+                  </a:schemeClr>
+                </a:solidFill>
+                <a:latin typeface="+mn-lt"/>
+                <a:ea typeface="+mn-ea"/>
+                <a:cs typeface="+mn-cs"/>
+              </a:defRPr>
+            </a:lvl9pPr>
+          </a:lstStyle>
+          <a:p>
+            <a:pPr marL="0" indent="0">
+              <a:buFont typeface="Calibri" panose="020F0502020204030204" pitchFamily="34" charset="0"/>
+              <a:buNone/>
+            </a:pPr>
+            <a:endParaRPr lang="ro-RO" sz="3600" dirty="0" smtClean="0"/>
+          </a:p>
+          <a:p>
+            <a:r>
+              <a:rPr lang="ro-RO" sz="3600" dirty="0" smtClean="0"/>
+              <a:t>Containerele Docker și rolul lor</a:t>
+            </a:r>
+          </a:p>
+          <a:p>
+            <a:pPr marL="0" indent="0">
+              <a:buFont typeface="Calibri" panose="020F0502020204030204" pitchFamily="34" charset="0"/>
+              <a:buNone/>
+            </a:pPr>
+            <a:endParaRPr lang="ro-RO" sz="3600" dirty="0"/>
+          </a:p>
+        </p:txBody>
+      </p:sp>
+    </p:spTree>
+    <p:extLst>
+      <p:ext uri="{BB962C8B-B14F-4D97-AF65-F5344CB8AC3E}">
+        <p14:creationId xmlns:p14="http://schemas.microsoft.com/office/powerpoint/2010/main" val="1597252678"/>
+      </p:ext>
+    </p:extLst>
+  </p:cSld>
+  <p:clrMapOvr>
+    <a:masterClrMapping/>
+  </p:clrMapOvr>
+  <p:timing>
+    <p:tnLst>
+      <p:par>
+        <p:cTn id="1" dur="indefinite" restart="never" nodeType="tmRoot"/>
+      </p:par>
+    </p:tnLst>
+  </p:timing>
+</p:sld>
+</file>
+
+<file path=ppt/slides/slide9.xml><?xml version="1.0" encoding="utf-8"?>
+<p:sld xmlns:a="http://schemas.openxmlformats.org/drawingml/2006/main" xmlns:r="http://schemas.openxmlformats.org/officeDocument/2006/relationships" xmlns:p="http://schemas.openxmlformats.org/presentationml/2006/main">
+  <p:cSld>
+    <p:spTree>
+      <p:nvGrpSpPr>
+        <p:cNvPr id="1" name=""/>
+        <p:cNvGrpSpPr/>
+        <p:nvPr/>
+      </p:nvGrpSpPr>
+      <p:grpSpPr>
+        <a:xfrm>
+          <a:off x="0" y="0"/>
+          <a:ext cx="0" cy="0"/>
+          <a:chOff x="0" y="0"/>
+          <a:chExt cx="0" cy="0"/>
+        </a:xfrm>
+      </p:grpSpPr>
+      <p:sp>
+        <p:nvSpPr>
+          <p:cNvPr id="2" name="Title 1"/>
+          <p:cNvSpPr>
+            <a:spLocks noGrp="1"/>
+          </p:cNvSpPr>
+          <p:nvPr>
+            <p:ph type="title"/>
+          </p:nvPr>
+        </p:nvSpPr>
+        <p:spPr/>
+        <p:txBody>
+          <a:bodyPr>
+            <a:normAutofit/>
+          </a:bodyPr>
+          <a:lstStyle/>
+          <a:p>
+            <a:r>
+              <a:rPr lang="ro-RO" sz="5400" dirty="0" smtClean="0"/>
+              <a:t>Concluzii</a:t>
+            </a:r>
+            <a:endParaRPr lang="ro-RO" sz="5400" dirty="0"/>
+          </a:p>
+        </p:txBody>
+      </p:sp>
+      <p:sp>
+        <p:nvSpPr>
+          <p:cNvPr id="4" name="Slide Number Placeholder 3"/>
+          <p:cNvSpPr>
+            <a:spLocks noGrp="1"/>
+          </p:cNvSpPr>
+          <p:nvPr>
+            <p:ph type="sldNum" sz="quarter" idx="12"/>
+          </p:nvPr>
+        </p:nvSpPr>
+        <p:spPr/>
+        <p:txBody>
+          <a:bodyPr/>
+          <a:lstStyle/>
+          <a:p>
+            <a:fld id="{4FAB73BC-B049-4115-A692-8D63A059BFB8}" type="slidenum">
+              <a:rPr lang="en-US" sz="2000" smtClean="0"/>
+              <a:pPr/>
+              <a:t>9</a:t>
+            </a:fld>
+            <a:endParaRPr lang="en-US" sz="2000" dirty="0"/>
+          </a:p>
+        </p:txBody>
+      </p:sp>
+      <p:sp>
+        <p:nvSpPr>
+          <p:cNvPr id="5" name="Content Placeholder 2"/>
+          <p:cNvSpPr txBox="1">
+            <a:spLocks/>
+          </p:cNvSpPr>
+          <p:nvPr/>
+        </p:nvSpPr>
+        <p:spPr>
+          <a:xfrm>
+            <a:off x="1097280" y="1954108"/>
+            <a:ext cx="10058400" cy="4023360"/>
+          </a:xfrm>
+          <a:prstGeom prst="rect">
+            <a:avLst/>
+          </a:prstGeom>
+        </p:spPr>
+        <p:txBody>
+          <a:bodyPr vert="horz" lIns="0" tIns="45720" rIns="0" bIns="45720" rtlCol="0">
+            <a:normAutofit/>
+          </a:bodyPr>
+          <a:lstStyle>
+            <a:lvl1pPr marL="91440" indent="-91440" algn="l" defTabSz="914400" rtl="0" eaLnBrk="1" latinLnBrk="0" hangingPunct="1">
+              <a:lnSpc>
+                <a:spcPct val="90000"/>
+              </a:lnSpc>
+              <a:spcBef>
+                <a:spcPts val="1200"/>
+              </a:spcBef>
+              <a:spcAft>
+                <a:spcPts val="200"/>
+              </a:spcAft>
+              <a:buClr>
+                <a:schemeClr val="accent1"/>
+              </a:buClr>
+              <a:buSzPct val="100000"/>
+              <a:buFont typeface="Calibri" panose="020F0502020204030204" pitchFamily="34" charset="0"/>
+              <a:buChar char=" "/>
+              <a:defRPr sz="2000" kern="1200">
+                <a:solidFill>
+                  <a:schemeClr val="tx1">
+                    <a:lumMod val="75000"/>
+                    <a:lumOff val="25000"/>
+                  </a:schemeClr>
+                </a:solidFill>
+                <a:latin typeface="+mn-lt"/>
+                <a:ea typeface="+mn-ea"/>
+                <a:cs typeface="+mn-cs"/>
+              </a:defRPr>
+            </a:lvl1pPr>
+            <a:lvl2pPr marL="384048" indent="-182880" algn="l" defTabSz="914400" rtl="0" eaLnBrk="1" latinLnBrk="0" hangingPunct="1">
+              <a:lnSpc>
+                <a:spcPct val="90000"/>
+              </a:lnSpc>
+              <a:spcBef>
+                <a:spcPts val="200"/>
+              </a:spcBef>
+              <a:spcAft>
+                <a:spcPts val="400"/>
+              </a:spcAft>
+              <a:buClr>
+                <a:schemeClr val="accent1"/>
+              </a:buClr>
+              <a:buFont typeface="Calibri" pitchFamily="34" charset="0"/>
+              <a:buChar char="◦"/>
+              <a:defRPr sz="1800" kern="1200">
+                <a:solidFill>
+                  <a:schemeClr val="tx1">
+                    <a:lumMod val="75000"/>
+                    <a:lumOff val="25000"/>
+                  </a:schemeClr>
+                </a:solidFill>
+                <a:latin typeface="+mn-lt"/>
+                <a:ea typeface="+mn-ea"/>
+                <a:cs typeface="+mn-cs"/>
+              </a:defRPr>
+            </a:lvl2pPr>
+            <a:lvl3pPr marL="566928" indent="-182880" algn="l" defTabSz="914400" rtl="0" eaLnBrk="1" latinLnBrk="0" hangingPunct="1">
+              <a:lnSpc>
+                <a:spcPct val="90000"/>
+              </a:lnSpc>
+              <a:spcBef>
+                <a:spcPts val="200"/>
+              </a:spcBef>
+              <a:spcAft>
+                <a:spcPts val="400"/>
+              </a:spcAft>
+              <a:buClr>
+                <a:schemeClr val="accent1"/>
+              </a:buClr>
+              <a:buFont typeface="Calibri" pitchFamily="34" charset="0"/>
+              <a:buChar char="◦"/>
+              <a:defRPr sz="1400" kern="1200">
+                <a:solidFill>
+                  <a:schemeClr val="tx1">
+                    <a:lumMod val="75000"/>
+                    <a:lumOff val="25000"/>
+                  </a:schemeClr>
+                </a:solidFill>
+                <a:latin typeface="+mn-lt"/>
+                <a:ea typeface="+mn-ea"/>
+                <a:cs typeface="+mn-cs"/>
+              </a:defRPr>
+            </a:lvl3pPr>
+            <a:lvl4pPr marL="749808" indent="-182880" algn="l" defTabSz="914400" rtl="0" eaLnBrk="1" latinLnBrk="0" hangingPunct="1">
+              <a:lnSpc>
+                <a:spcPct val="90000"/>
+              </a:lnSpc>
+              <a:spcBef>
+                <a:spcPts val="200"/>
+              </a:spcBef>
+              <a:spcAft>
+                <a:spcPts val="400"/>
+              </a:spcAft>
+              <a:buClr>
+                <a:schemeClr val="accent1"/>
+              </a:buClr>
+              <a:buFont typeface="Calibri" pitchFamily="34" charset="0"/>
+              <a:buChar char="◦"/>
+              <a:defRPr sz="1400" kern="1200">
+                <a:solidFill>
+                  <a:schemeClr val="tx1">
+                    <a:lumMod val="75000"/>
+                    <a:lumOff val="25000"/>
+                  </a:schemeClr>
+                </a:solidFill>
+                <a:latin typeface="+mn-lt"/>
+                <a:ea typeface="+mn-ea"/>
+                <a:cs typeface="+mn-cs"/>
+              </a:defRPr>
+            </a:lvl4pPr>
+            <a:lvl5pPr marL="932688" indent="-182880" algn="l" defTabSz="914400" rtl="0" eaLnBrk="1" latinLnBrk="0" hangingPunct="1">
+              <a:lnSpc>
+                <a:spcPct val="90000"/>
+              </a:lnSpc>
+              <a:spcBef>
+                <a:spcPts val="200"/>
+              </a:spcBef>
+              <a:spcAft>
+                <a:spcPts val="400"/>
+              </a:spcAft>
+              <a:buClr>
+                <a:schemeClr val="accent1"/>
+              </a:buClr>
+              <a:buFont typeface="Calibri" pitchFamily="34" charset="0"/>
+              <a:buChar char="◦"/>
+              <a:defRPr sz="1400" kern="1200">
+                <a:solidFill>
+                  <a:schemeClr val="tx1">
+                    <a:lumMod val="75000"/>
+                    <a:lumOff val="25000"/>
+                  </a:schemeClr>
+                </a:solidFill>
+                <a:latin typeface="+mn-lt"/>
+                <a:ea typeface="+mn-ea"/>
+                <a:cs typeface="+mn-cs"/>
+              </a:defRPr>
+            </a:lvl5pPr>
+            <a:lvl6pPr marL="1100000" indent="-228600" algn="l" defTabSz="914400" rtl="0" eaLnBrk="1" latinLnBrk="0" hangingPunct="1">
+              <a:lnSpc>
+                <a:spcPct val="90000"/>
+              </a:lnSpc>
+              <a:spcBef>
+                <a:spcPts val="200"/>
+              </a:spcBef>
+              <a:spcAft>
+                <a:spcPts val="400"/>
+              </a:spcAft>
+              <a:buClr>
+                <a:schemeClr val="accent1"/>
+              </a:buClr>
+              <a:buFont typeface="Calibri" pitchFamily="34" charset="0"/>
+              <a:buChar char="◦"/>
+              <a:defRPr sz="1400" kern="1200">
+                <a:solidFill>
+                  <a:schemeClr val="tx1">
+                    <a:lumMod val="75000"/>
+                    <a:lumOff val="25000"/>
+                  </a:schemeClr>
+                </a:solidFill>
+                <a:latin typeface="+mn-lt"/>
+                <a:ea typeface="+mn-ea"/>
+                <a:cs typeface="+mn-cs"/>
+              </a:defRPr>
+            </a:lvl6pPr>
+            <a:lvl7pPr marL="1300000" indent="-228600" algn="l" defTabSz="914400" rtl="0" eaLnBrk="1" latinLnBrk="0" hangingPunct="1">
+              <a:lnSpc>
+                <a:spcPct val="90000"/>
+              </a:lnSpc>
+              <a:spcBef>
+                <a:spcPts val="200"/>
+              </a:spcBef>
+              <a:spcAft>
+                <a:spcPts val="400"/>
+              </a:spcAft>
+              <a:buClr>
+                <a:schemeClr val="accent1"/>
+              </a:buClr>
+              <a:buFont typeface="Calibri" pitchFamily="34" charset="0"/>
+              <a:buChar char="◦"/>
+              <a:defRPr sz="1400" kern="1200">
+                <a:solidFill>
+                  <a:schemeClr val="tx1">
+                    <a:lumMod val="75000"/>
+                    <a:lumOff val="25000"/>
+                  </a:schemeClr>
+                </a:solidFill>
+                <a:latin typeface="+mn-lt"/>
+                <a:ea typeface="+mn-ea"/>
+                <a:cs typeface="+mn-cs"/>
+              </a:defRPr>
+            </a:lvl7pPr>
+            <a:lvl8pPr marL="1500000" indent="-228600" algn="l" defTabSz="914400" rtl="0" eaLnBrk="1" latinLnBrk="0" hangingPunct="1">
+              <a:lnSpc>
+                <a:spcPct val="90000"/>
+              </a:lnSpc>
+              <a:spcBef>
+                <a:spcPts val="200"/>
+              </a:spcBef>
+              <a:spcAft>
+                <a:spcPts val="400"/>
+              </a:spcAft>
+              <a:buClr>
+                <a:schemeClr val="accent1"/>
+              </a:buClr>
+              <a:buFont typeface="Calibri" pitchFamily="34" charset="0"/>
+              <a:buChar char="◦"/>
+              <a:defRPr sz="1400" kern="1200">
+                <a:solidFill>
+                  <a:schemeClr val="tx1">
+                    <a:lumMod val="75000"/>
+                    <a:lumOff val="25000"/>
+                  </a:schemeClr>
+                </a:solidFill>
+                <a:latin typeface="+mn-lt"/>
+                <a:ea typeface="+mn-ea"/>
+                <a:cs typeface="+mn-cs"/>
+              </a:defRPr>
+            </a:lvl8pPr>
+            <a:lvl9pPr marL="1700000" indent="-228600" algn="l" defTabSz="914400" rtl="0" eaLnBrk="1" latinLnBrk="0" hangingPunct="1">
+              <a:lnSpc>
+                <a:spcPct val="90000"/>
+              </a:lnSpc>
+              <a:spcBef>
+                <a:spcPts val="200"/>
+              </a:spcBef>
+              <a:spcAft>
+                <a:spcPts val="400"/>
+              </a:spcAft>
+              <a:buClr>
+                <a:schemeClr val="accent1"/>
+              </a:buClr>
+              <a:buFont typeface="Calibri" pitchFamily="34" charset="0"/>
+              <a:buChar char="◦"/>
+              <a:defRPr sz="1400" kern="1200">
+                <a:solidFill>
+                  <a:schemeClr val="tx1">
+                    <a:lumMod val="75000"/>
+                    <a:lumOff val="25000"/>
+                  </a:schemeClr>
+                </a:solidFill>
+                <a:latin typeface="+mn-lt"/>
+                <a:ea typeface="+mn-ea"/>
+                <a:cs typeface="+mn-cs"/>
+              </a:defRPr>
+            </a:lvl9pPr>
+          </a:lstStyle>
+          <a:p>
+            <a:pPr marL="0" indent="0">
+              <a:buFont typeface="Calibri" panose="020F0502020204030204" pitchFamily="34" charset="0"/>
+              <a:buNone/>
+            </a:pPr>
+            <a:endParaRPr lang="ro-RO" sz="3600" dirty="0" smtClean="0"/>
+          </a:p>
+          <a:p>
+            <a:pPr marL="0" indent="0">
+              <a:buFont typeface="Calibri" panose="020F0502020204030204" pitchFamily="34" charset="0"/>
+              <a:buNone/>
+            </a:pPr>
+            <a:r>
+              <a:rPr lang="ro-RO" sz="3600" dirty="0" smtClean="0"/>
+              <a:t> </a:t>
+            </a:r>
+            <a:endParaRPr lang="ro-RO" sz="3600" dirty="0"/>
+          </a:p>
+        </p:txBody>
+      </p:sp>
+      <p:sp>
+        <p:nvSpPr>
+          <p:cNvPr id="7" name="Content Placeholder 2"/>
+          <p:cNvSpPr txBox="1">
+            <a:spLocks/>
+          </p:cNvSpPr>
+          <p:nvPr/>
+        </p:nvSpPr>
+        <p:spPr>
+          <a:xfrm>
+            <a:off x="1097280" y="2066690"/>
+            <a:ext cx="10058400" cy="4023360"/>
+          </a:xfrm>
+          <a:prstGeom prst="rect">
+            <a:avLst/>
+          </a:prstGeom>
+        </p:spPr>
+        <p:txBody>
+          <a:bodyPr vert="horz" lIns="0" tIns="45720" rIns="0" bIns="45720" rtlCol="0">
+            <a:normAutofit/>
+          </a:bodyPr>
+          <a:lstStyle>
+            <a:lvl1pPr marL="91440" indent="-91440" algn="l" defTabSz="914400" rtl="0" eaLnBrk="1" latinLnBrk="0" hangingPunct="1">
+              <a:lnSpc>
+                <a:spcPct val="90000"/>
+              </a:lnSpc>
+              <a:spcBef>
+                <a:spcPts val="1200"/>
+              </a:spcBef>
+              <a:spcAft>
+                <a:spcPts val="200"/>
+              </a:spcAft>
+              <a:buClr>
+                <a:schemeClr val="accent1"/>
+              </a:buClr>
+              <a:buSzPct val="100000"/>
+              <a:buFont typeface="Calibri" panose="020F0502020204030204" pitchFamily="34" charset="0"/>
+              <a:buChar char=" "/>
+              <a:defRPr sz="2000" kern="1200">
+                <a:solidFill>
+                  <a:schemeClr val="tx1">
+                    <a:lumMod val="75000"/>
+                    <a:lumOff val="25000"/>
+                  </a:schemeClr>
+                </a:solidFill>
+                <a:latin typeface="+mn-lt"/>
+                <a:ea typeface="+mn-ea"/>
+                <a:cs typeface="+mn-cs"/>
+              </a:defRPr>
+            </a:lvl1pPr>
+            <a:lvl2pPr marL="384048" indent="-182880" algn="l" defTabSz="914400" rtl="0" eaLnBrk="1" latinLnBrk="0" hangingPunct="1">
+              <a:lnSpc>
+                <a:spcPct val="90000"/>
+              </a:lnSpc>
+              <a:spcBef>
+                <a:spcPts val="200"/>
+              </a:spcBef>
+              <a:spcAft>
+                <a:spcPts val="400"/>
+              </a:spcAft>
+              <a:buClr>
+                <a:schemeClr val="accent1"/>
+              </a:buClr>
+              <a:buFont typeface="Calibri" pitchFamily="34" charset="0"/>
+              <a:buChar char="◦"/>
+              <a:defRPr sz="1800" kern="1200">
+                <a:solidFill>
+                  <a:schemeClr val="tx1">
+                    <a:lumMod val="75000"/>
+                    <a:lumOff val="25000"/>
+                  </a:schemeClr>
+                </a:solidFill>
+                <a:latin typeface="+mn-lt"/>
+                <a:ea typeface="+mn-ea"/>
+                <a:cs typeface="+mn-cs"/>
+              </a:defRPr>
+            </a:lvl2pPr>
+            <a:lvl3pPr marL="566928" indent="-182880" algn="l" defTabSz="914400" rtl="0" eaLnBrk="1" latinLnBrk="0" hangingPunct="1">
+              <a:lnSpc>
+                <a:spcPct val="90000"/>
+              </a:lnSpc>
+              <a:spcBef>
+                <a:spcPts val="200"/>
+              </a:spcBef>
+              <a:spcAft>
+                <a:spcPts val="400"/>
+              </a:spcAft>
+              <a:buClr>
+                <a:schemeClr val="accent1"/>
+              </a:buClr>
+              <a:buFont typeface="Calibri" pitchFamily="34" charset="0"/>
+              <a:buChar char="◦"/>
+              <a:defRPr sz="1400" kern="1200">
+                <a:solidFill>
+                  <a:schemeClr val="tx1">
+                    <a:lumMod val="75000"/>
+                    <a:lumOff val="25000"/>
+                  </a:schemeClr>
+                </a:solidFill>
+                <a:latin typeface="+mn-lt"/>
+                <a:ea typeface="+mn-ea"/>
+                <a:cs typeface="+mn-cs"/>
+              </a:defRPr>
+            </a:lvl3pPr>
+            <a:lvl4pPr marL="749808" indent="-182880" algn="l" defTabSz="914400" rtl="0" eaLnBrk="1" latinLnBrk="0" hangingPunct="1">
+              <a:lnSpc>
+                <a:spcPct val="90000"/>
+              </a:lnSpc>
+              <a:spcBef>
+                <a:spcPts val="200"/>
+              </a:spcBef>
+              <a:spcAft>
+                <a:spcPts val="400"/>
+              </a:spcAft>
+              <a:buClr>
+                <a:schemeClr val="accent1"/>
+              </a:buClr>
+              <a:buFont typeface="Calibri" pitchFamily="34" charset="0"/>
+              <a:buChar char="◦"/>
+              <a:defRPr sz="1400" kern="1200">
+                <a:solidFill>
+                  <a:schemeClr val="tx1">
+                    <a:lumMod val="75000"/>
+                    <a:lumOff val="25000"/>
+                  </a:schemeClr>
+                </a:solidFill>
+                <a:latin typeface="+mn-lt"/>
+                <a:ea typeface="+mn-ea"/>
+                <a:cs typeface="+mn-cs"/>
+              </a:defRPr>
+            </a:lvl4pPr>
+            <a:lvl5pPr marL="932688" indent="-182880" algn="l" defTabSz="914400" rtl="0" eaLnBrk="1" latinLnBrk="0" hangingPunct="1">
+              <a:lnSpc>
+                <a:spcPct val="90000"/>
+              </a:lnSpc>
+              <a:spcBef>
+                <a:spcPts val="200"/>
+              </a:spcBef>
+              <a:spcAft>
+                <a:spcPts val="400"/>
+              </a:spcAft>
+              <a:buClr>
+                <a:schemeClr val="accent1"/>
+              </a:buClr>
+              <a:buFont typeface="Calibri" pitchFamily="34" charset="0"/>
+              <a:buChar char="◦"/>
+              <a:defRPr sz="1400" kern="1200">
+                <a:solidFill>
+                  <a:schemeClr val="tx1">
+                    <a:lumMod val="75000"/>
+                    <a:lumOff val="25000"/>
+                  </a:schemeClr>
+                </a:solidFill>
+                <a:latin typeface="+mn-lt"/>
+                <a:ea typeface="+mn-ea"/>
+                <a:cs typeface="+mn-cs"/>
+              </a:defRPr>
+            </a:lvl5pPr>
+            <a:lvl6pPr marL="1100000" indent="-228600" algn="l" defTabSz="914400" rtl="0" eaLnBrk="1" latinLnBrk="0" hangingPunct="1">
+              <a:lnSpc>
+                <a:spcPct val="90000"/>
+              </a:lnSpc>
+              <a:spcBef>
+                <a:spcPts val="200"/>
+              </a:spcBef>
+              <a:spcAft>
+                <a:spcPts val="400"/>
+              </a:spcAft>
+              <a:buClr>
+                <a:schemeClr val="accent1"/>
+              </a:buClr>
+              <a:buFont typeface="Calibri" pitchFamily="34" charset="0"/>
+              <a:buChar char="◦"/>
+              <a:defRPr sz="1400" kern="1200">
+                <a:solidFill>
+                  <a:schemeClr val="tx1">
+                    <a:lumMod val="75000"/>
+                    <a:lumOff val="25000"/>
+                  </a:schemeClr>
+                </a:solidFill>
+                <a:latin typeface="+mn-lt"/>
+                <a:ea typeface="+mn-ea"/>
+                <a:cs typeface="+mn-cs"/>
+              </a:defRPr>
+            </a:lvl6pPr>
+            <a:lvl7pPr marL="1300000" indent="-228600" algn="l" defTabSz="914400" rtl="0" eaLnBrk="1" latinLnBrk="0" hangingPunct="1">
+              <a:lnSpc>
+                <a:spcPct val="90000"/>
+              </a:lnSpc>
+              <a:spcBef>
+                <a:spcPts val="200"/>
+              </a:spcBef>
+              <a:spcAft>
+                <a:spcPts val="400"/>
+              </a:spcAft>
+              <a:buClr>
+                <a:schemeClr val="accent1"/>
+              </a:buClr>
+              <a:buFont typeface="Calibri" pitchFamily="34" charset="0"/>
+              <a:buChar char="◦"/>
+              <a:defRPr sz="1400" kern="1200">
+                <a:solidFill>
+                  <a:schemeClr val="tx1">
+                    <a:lumMod val="75000"/>
+                    <a:lumOff val="25000"/>
+                  </a:schemeClr>
+                </a:solidFill>
+                <a:latin typeface="+mn-lt"/>
+                <a:ea typeface="+mn-ea"/>
+                <a:cs typeface="+mn-cs"/>
+              </a:defRPr>
+            </a:lvl7pPr>
+            <a:lvl8pPr marL="1500000" indent="-228600" algn="l" defTabSz="914400" rtl="0" eaLnBrk="1" latinLnBrk="0" hangingPunct="1">
+              <a:lnSpc>
+                <a:spcPct val="90000"/>
+              </a:lnSpc>
+              <a:spcBef>
+                <a:spcPts val="200"/>
+              </a:spcBef>
+              <a:spcAft>
+                <a:spcPts val="400"/>
+              </a:spcAft>
+              <a:buClr>
+                <a:schemeClr val="accent1"/>
+              </a:buClr>
+              <a:buFont typeface="Calibri" pitchFamily="34" charset="0"/>
+              <a:buChar char="◦"/>
+              <a:defRPr sz="1400" kern="1200">
+                <a:solidFill>
+                  <a:schemeClr val="tx1">
+                    <a:lumMod val="75000"/>
+                    <a:lumOff val="25000"/>
+                  </a:schemeClr>
+                </a:solidFill>
+                <a:latin typeface="+mn-lt"/>
+                <a:ea typeface="+mn-ea"/>
+                <a:cs typeface="+mn-cs"/>
+              </a:defRPr>
+            </a:lvl8pPr>
+            <a:lvl9pPr marL="1700000" indent="-228600" algn="l" defTabSz="914400" rtl="0" eaLnBrk="1" latinLnBrk="0" hangingPunct="1">
+              <a:lnSpc>
+                <a:spcPct val="90000"/>
+              </a:lnSpc>
+              <a:spcBef>
+                <a:spcPts val="200"/>
+              </a:spcBef>
+              <a:spcAft>
+                <a:spcPts val="400"/>
+              </a:spcAft>
+              <a:buClr>
+                <a:schemeClr val="accent1"/>
+              </a:buClr>
+              <a:buFont typeface="Calibri" pitchFamily="34" charset="0"/>
+              <a:buChar char="◦"/>
+              <a:defRPr sz="1400" kern="1200">
+                <a:solidFill>
+                  <a:schemeClr val="tx1">
+                    <a:lumMod val="75000"/>
+                    <a:lumOff val="25000"/>
+                  </a:schemeClr>
+                </a:solidFill>
+                <a:latin typeface="+mn-lt"/>
+                <a:ea typeface="+mn-ea"/>
+                <a:cs typeface="+mn-cs"/>
+              </a:defRPr>
+            </a:lvl9pPr>
+          </a:lstStyle>
+          <a:p>
+            <a:pPr marL="0" indent="0">
+              <a:buFont typeface="Calibri" panose="020F0502020204030204" pitchFamily="34" charset="0"/>
+              <a:buNone/>
+            </a:pPr>
+            <a:endParaRPr lang="ro-RO" sz="3600" dirty="0" smtClean="0"/>
+          </a:p>
+          <a:p>
+            <a:pPr marL="0" indent="0">
+              <a:buFont typeface="Calibri" panose="020F0502020204030204" pitchFamily="34" charset="0"/>
+              <a:buNone/>
+            </a:pPr>
+            <a:r>
+              <a:rPr lang="ro-RO" sz="3600" dirty="0" smtClean="0"/>
+              <a:t> ToolRunner și beneficiile aduse</a:t>
+            </a:r>
+            <a:endParaRPr lang="ro-RO" sz="3600" dirty="0"/>
+          </a:p>
+        </p:txBody>
+      </p:sp>
+    </p:spTree>
+    <p:extLst>
+      <p:ext uri="{BB962C8B-B14F-4D97-AF65-F5344CB8AC3E}">
+        <p14:creationId xmlns:p14="http://schemas.microsoft.com/office/powerpoint/2010/main" val="2486538814"/>
       </p:ext>
     </p:extLst>
   </p:cSld>

--- a/Licenta2017AnghelacheOana-Iuliana/Prezentare.pptx
+++ b/Licenta2017AnghelacheOana-Iuliana/Prezentare.pptx
@@ -5,18 +5,16 @@
     <p:sldMasterId id="2147484029" r:id="rId1"/>
   </p:sldMasterIdLst>
   <p:notesMasterIdLst>
-    <p:notesMasterId r:id="rId11"/>
+    <p:notesMasterId r:id="rId9"/>
   </p:notesMasterIdLst>
   <p:sldIdLst>
     <p:sldId id="256" r:id="rId2"/>
     <p:sldId id="257" r:id="rId3"/>
-    <p:sldId id="258" r:id="rId4"/>
-    <p:sldId id="260" r:id="rId5"/>
-    <p:sldId id="261" r:id="rId6"/>
-    <p:sldId id="262" r:id="rId7"/>
-    <p:sldId id="263" r:id="rId8"/>
-    <p:sldId id="264" r:id="rId9"/>
-    <p:sldId id="265" r:id="rId10"/>
+    <p:sldId id="261" r:id="rId4"/>
+    <p:sldId id="262" r:id="rId5"/>
+    <p:sldId id="263" r:id="rId6"/>
+    <p:sldId id="264" r:id="rId7"/>
+    <p:sldId id="265" r:id="rId8"/>
   </p:sldIdLst>
   <p:sldSz cx="12192000" cy="6858000"/>
   <p:notesSz cx="6858000" cy="9144000"/>
@@ -4240,7 +4238,15 @@
           <a:p>
             <a:r>
               <a:rPr lang="ro-RO" sz="3000" b="1" cap="none" dirty="0" smtClean="0"/>
-              <a:t>Coordonator Științific: Ștefan </a:t>
+              <a:t>Coordonator Științific: </a:t>
+            </a:r>
+            <a:r>
+              <a:rPr lang="en-US" sz="3000" b="1" cap="none" dirty="0" smtClean="0"/>
+              <a:t>Conf. dr. </a:t>
+            </a:r>
+            <a:r>
+              <a:rPr lang="ro-RO" sz="3000" b="1" cap="none" dirty="0" smtClean="0"/>
+              <a:t>Ștefan </a:t>
             </a:r>
             <a:r>
               <a:rPr lang="ro-RO" sz="3000" b="1" cap="none" dirty="0"/>
@@ -4253,30 +4259,6 @@
           </a:p>
           <a:p>
             <a:endParaRPr lang="ro-RO" dirty="0"/>
-          </a:p>
-        </p:txBody>
-      </p:sp>
-      <p:sp>
-        <p:nvSpPr>
-          <p:cNvPr id="4" name="Slide Number Placeholder 3"/>
-          <p:cNvSpPr>
-            <a:spLocks noGrp="1"/>
-          </p:cNvSpPr>
-          <p:nvPr>
-            <p:ph type="sldNum" sz="quarter" idx="12"/>
-          </p:nvPr>
-        </p:nvSpPr>
-        <p:spPr/>
-        <p:txBody>
-          <a:bodyPr/>
-          <a:lstStyle/>
-          <a:p>
-            <a:fld id="{4FAB73BC-B049-4115-A692-8D63A059BFB8}" type="slidenum">
-              <a:rPr lang="en-US" sz="2000" smtClean="0"/>
-              <a:pPr/>
-              <a:t>1</a:t>
-            </a:fld>
-            <a:endParaRPr lang="en-US" sz="2000" dirty="0"/>
           </a:p>
         </p:txBody>
       </p:sp>
@@ -4335,130 +4317,10 @@
           <a:lstStyle/>
           <a:p>
             <a:r>
-              <a:rPr lang="ro-RO" sz="5400" dirty="0" smtClean="0"/>
-              <a:t>Cuprins</a:t>
+              <a:rPr lang="en-US" sz="5400" dirty="0" smtClean="0"/>
+              <a:t>Demo</a:t>
             </a:r>
             <a:endParaRPr lang="ro-RO" sz="5400" dirty="0"/>
-          </a:p>
-        </p:txBody>
-      </p:sp>
-      <p:sp>
-        <p:nvSpPr>
-          <p:cNvPr id="4" name="Content Placeholder 3"/>
-          <p:cNvSpPr>
-            <a:spLocks noGrp="1"/>
-          </p:cNvSpPr>
-          <p:nvPr>
-            <p:ph idx="1"/>
-          </p:nvPr>
-        </p:nvSpPr>
-        <p:spPr>
-          <a:xfrm>
-            <a:off x="1097280" y="1845733"/>
-            <a:ext cx="10058400" cy="4316527"/>
-          </a:xfrm>
-        </p:spPr>
-        <p:txBody>
-          <a:bodyPr>
-            <a:normAutofit/>
-          </a:bodyPr>
-          <a:lstStyle/>
-          <a:p>
-            <a:pPr>
-              <a:buFont typeface="Arial" panose="020B0604020202020204" pitchFamily="34" charset="0"/>
-              <a:buChar char="•"/>
-            </a:pPr>
-            <a:endParaRPr lang="ro-RO" dirty="0" smtClean="0"/>
-          </a:p>
-          <a:p>
-            <a:pPr>
-              <a:buFont typeface="Arial" panose="020B0604020202020204" pitchFamily="34" charset="0"/>
-              <a:buChar char="•"/>
-            </a:pPr>
-            <a:r>
-              <a:rPr lang="ro-RO" sz="3600" dirty="0" smtClean="0"/>
-              <a:t> Funcționalități</a:t>
-            </a:r>
-          </a:p>
-          <a:p>
-            <a:pPr>
-              <a:buFont typeface="Arial" panose="020B0604020202020204" pitchFamily="34" charset="0"/>
-              <a:buChar char="•"/>
-            </a:pPr>
-            <a:r>
-              <a:rPr lang="ro-RO" sz="3600" dirty="0"/>
-              <a:t> </a:t>
-            </a:r>
-            <a:r>
-              <a:rPr lang="ro-RO" sz="3600" dirty="0" smtClean="0"/>
-              <a:t>Aplicația la nivel de frontend</a:t>
-            </a:r>
-          </a:p>
-          <a:p>
-            <a:pPr>
-              <a:buFont typeface="Arial" panose="020B0604020202020204" pitchFamily="34" charset="0"/>
-              <a:buChar char="•"/>
-            </a:pPr>
-            <a:r>
-              <a:rPr lang="ro-RO" sz="3600" dirty="0"/>
-              <a:t> </a:t>
-            </a:r>
-            <a:r>
-              <a:rPr lang="ro-RO" sz="3600" dirty="0" smtClean="0"/>
-              <a:t>Aplicația la nivel de backend</a:t>
-            </a:r>
-          </a:p>
-          <a:p>
-            <a:pPr>
-              <a:buFont typeface="Arial" panose="020B0604020202020204" pitchFamily="34" charset="0"/>
-              <a:buChar char="•"/>
-            </a:pPr>
-            <a:r>
-              <a:rPr lang="ro-RO" sz="3600" dirty="0"/>
-              <a:t> </a:t>
-            </a:r>
-            <a:r>
-              <a:rPr lang="ro-RO" sz="3600" dirty="0" smtClean="0"/>
-              <a:t>Măsuri de securitate</a:t>
-            </a:r>
-          </a:p>
-          <a:p>
-            <a:pPr>
-              <a:buFont typeface="Arial" panose="020B0604020202020204" pitchFamily="34" charset="0"/>
-              <a:buChar char="•"/>
-            </a:pPr>
-            <a:r>
-              <a:rPr lang="ro-RO" sz="3600" dirty="0"/>
-              <a:t> </a:t>
-            </a:r>
-            <a:r>
-              <a:rPr lang="ro-RO" sz="3600" dirty="0" smtClean="0"/>
-              <a:t>Concluzii</a:t>
-            </a:r>
-          </a:p>
-        </p:txBody>
-      </p:sp>
-      <p:sp>
-        <p:nvSpPr>
-          <p:cNvPr id="2" name="Slide Number Placeholder 1"/>
-          <p:cNvSpPr>
-            <a:spLocks noGrp="1"/>
-          </p:cNvSpPr>
-          <p:nvPr>
-            <p:ph type="sldNum" sz="quarter" idx="12"/>
-          </p:nvPr>
-        </p:nvSpPr>
-        <p:spPr/>
-        <p:txBody>
-          <a:bodyPr/>
-          <a:lstStyle/>
-          <a:p>
-            <a:fld id="{4FAB73BC-B049-4115-A692-8D63A059BFB8}" type="slidenum">
-              <a:rPr lang="en-US" sz="2000" smtClean="0"/>
-              <a:pPr/>
-              <a:t>2</a:t>
-            </a:fld>
-            <a:endParaRPr lang="en-US" sz="2000" dirty="0"/>
           </a:p>
         </p:txBody>
       </p:sp>
@@ -4511,93 +4373,54 @@
         </p:nvSpPr>
         <p:spPr/>
         <p:txBody>
-          <a:bodyPr/>
-          <a:lstStyle/>
-          <a:p>
-            <a:r>
-              <a:rPr lang="ro-RO" sz="5400" dirty="0"/>
-              <a:t>Funcționalități</a:t>
-            </a:r>
-          </a:p>
-        </p:txBody>
-      </p:sp>
-      <p:sp>
-        <p:nvSpPr>
-          <p:cNvPr id="3" name="Content Placeholder 2"/>
-          <p:cNvSpPr>
-            <a:spLocks noGrp="1"/>
-          </p:cNvSpPr>
-          <p:nvPr>
-            <p:ph idx="1"/>
-          </p:nvPr>
-        </p:nvSpPr>
-        <p:spPr>
-          <a:xfrm>
-            <a:off x="1097280" y="1737359"/>
-            <a:ext cx="10058400" cy="4438153"/>
-          </a:xfrm>
-        </p:spPr>
-        <p:txBody>
           <a:bodyPr>
             <a:normAutofit/>
           </a:bodyPr>
           <a:lstStyle/>
           <a:p>
-            <a:endParaRPr lang="ro-RO" dirty="0" smtClean="0"/>
-          </a:p>
-          <a:p>
-            <a:pPr lvl="1">
-              <a:buFont typeface="Arial" panose="020B0604020202020204" pitchFamily="34" charset="0"/>
-              <a:buChar char="•"/>
+            <a:r>
+              <a:rPr lang="ro-RO" sz="5400" dirty="0" smtClean="0"/>
+              <a:t>Aplicația la nivel de frontend</a:t>
+            </a:r>
+            <a:endParaRPr lang="ro-RO" sz="5400" dirty="0"/>
+          </a:p>
+        </p:txBody>
+      </p:sp>
+      <p:sp>
+        <p:nvSpPr>
+          <p:cNvPr id="3" name="Content Placeholder 2"/>
+          <p:cNvSpPr>
+            <a:spLocks noGrp="1"/>
+          </p:cNvSpPr>
+          <p:nvPr>
+            <p:ph idx="1"/>
+          </p:nvPr>
+        </p:nvSpPr>
+        <p:spPr/>
+        <p:txBody>
+          <a:bodyPr/>
+          <a:lstStyle/>
+          <a:p>
+            <a:pPr marL="0" indent="0">
+              <a:buNone/>
             </a:pPr>
-            <a:r>
-              <a:rPr lang="ro-RO" sz="3600" dirty="0"/>
-              <a:t> </a:t>
-            </a:r>
-            <a:r>
-              <a:rPr lang="ro-RO" sz="3600" dirty="0" smtClean="0"/>
-              <a:t>Execuția mai multor instrumente similare care rulează de la linia de comandă</a:t>
-            </a:r>
-          </a:p>
-          <a:p>
-            <a:pPr marL="201168" lvl="1" indent="0">
+            <a:endParaRPr lang="ro-RO" dirty="0"/>
+          </a:p>
+          <a:p>
+            <a:pPr marL="0" indent="0">
               <a:buNone/>
             </a:pPr>
             <a:endParaRPr lang="ro-RO" sz="3600" dirty="0" smtClean="0"/>
           </a:p>
           <a:p>
-            <a:pPr lvl="1">
-              <a:buFont typeface="Arial" panose="020B0604020202020204" pitchFamily="34" charset="0"/>
-              <a:buChar char="•"/>
+            <a:pPr marL="0" indent="0">
+              <a:buNone/>
             </a:pPr>
             <a:r>
               <a:rPr lang="ro-RO" sz="3600" dirty="0" smtClean="0"/>
-              <a:t> Definirea </a:t>
-            </a:r>
-            <a:r>
-              <a:rPr lang="ro-RO" sz="3600" dirty="0"/>
-              <a:t>propriilor </a:t>
-            </a:r>
-            <a:r>
-              <a:rPr lang="ro-RO" sz="3600" dirty="0" smtClean="0"/>
-              <a:t>comenzi </a:t>
-            </a:r>
-            <a:r>
-              <a:rPr lang="ro-RO" sz="3600" dirty="0"/>
-              <a:t>scrise într-un editor de text</a:t>
-            </a:r>
-          </a:p>
-          <a:p>
-            <a:pPr marL="201168" lvl="1" indent="0">
-              <a:buNone/>
-            </a:pPr>
-            <a:endParaRPr lang="ro-RO" sz="3600" dirty="0" smtClean="0"/>
-          </a:p>
-          <a:p>
-            <a:pPr marL="201168" lvl="1" indent="0">
-              <a:buNone/>
-            </a:pPr>
-            <a:endParaRPr lang="ro-RO" dirty="0" smtClean="0"/>
+              <a:t> AngularJS și modularitatea</a:t>
+            </a:r>
+            <a:endParaRPr lang="ro-RO" sz="3600" dirty="0"/>
           </a:p>
         </p:txBody>
       </p:sp>
@@ -4628,7 +4451,7 @@
     </p:spTree>
     <p:extLst>
       <p:ext uri="{BB962C8B-B14F-4D97-AF65-F5344CB8AC3E}">
-        <p14:creationId xmlns:p14="http://schemas.microsoft.com/office/powerpoint/2010/main" val="2414522752"/>
+        <p14:creationId xmlns:p14="http://schemas.microsoft.com/office/powerpoint/2010/main" val="523488221"/>
       </p:ext>
     </p:extLst>
   </p:cSld>
@@ -4674,106 +4497,43 @@
         </p:nvSpPr>
         <p:spPr/>
         <p:txBody>
-          <a:bodyPr/>
-          <a:lstStyle/>
-          <a:p>
-            <a:r>
-              <a:rPr lang="ro-RO" sz="5400" dirty="0"/>
-              <a:t>Funcționalități</a:t>
-            </a:r>
-          </a:p>
-        </p:txBody>
-      </p:sp>
-      <p:sp>
-        <p:nvSpPr>
-          <p:cNvPr id="3" name="Content Placeholder 2"/>
-          <p:cNvSpPr>
-            <a:spLocks noGrp="1"/>
-          </p:cNvSpPr>
-          <p:nvPr>
-            <p:ph idx="1"/>
-          </p:nvPr>
-        </p:nvSpPr>
-        <p:spPr>
-          <a:xfrm>
-            <a:off x="1097280" y="1737360"/>
-            <a:ext cx="10058400" cy="4251004"/>
-          </a:xfrm>
-        </p:spPr>
-        <p:txBody>
           <a:bodyPr>
             <a:normAutofit/>
           </a:bodyPr>
           <a:lstStyle/>
           <a:p>
-            <a:pPr lvl="1">
-              <a:buFont typeface="Arial" panose="020B0604020202020204" pitchFamily="34" charset="0"/>
-              <a:buChar char="•"/>
-            </a:pPr>
-            <a:endParaRPr lang="ro-RO" sz="2000" dirty="0" smtClean="0"/>
-          </a:p>
-          <a:p>
-            <a:pPr lvl="1">
-              <a:buFont typeface="Arial" panose="020B0604020202020204" pitchFamily="34" charset="0"/>
-              <a:buChar char="•"/>
-            </a:pPr>
+            <a:r>
+              <a:rPr lang="ro-RO" sz="5400" dirty="0" smtClean="0"/>
+              <a:t>Aplicația la nivel de backend</a:t>
+            </a:r>
+            <a:endParaRPr lang="ro-RO" sz="5400" dirty="0"/>
+          </a:p>
+        </p:txBody>
+      </p:sp>
+      <p:sp>
+        <p:nvSpPr>
+          <p:cNvPr id="3" name="Content Placeholder 2"/>
+          <p:cNvSpPr>
+            <a:spLocks noGrp="1"/>
+          </p:cNvSpPr>
+          <p:nvPr>
+            <p:ph idx="1"/>
+          </p:nvPr>
+        </p:nvSpPr>
+        <p:spPr/>
+        <p:txBody>
+          <a:bodyPr/>
+          <a:lstStyle/>
+          <a:p>
+            <a:endParaRPr lang="ro-RO" dirty="0" smtClean="0"/>
+          </a:p>
+          <a:p>
+            <a:endParaRPr lang="ro-RO" sz="3600" dirty="0"/>
+          </a:p>
+          <a:p>
             <a:r>
               <a:rPr lang="ro-RO" sz="3600" dirty="0" smtClean="0"/>
-              <a:t> Încărcarea </a:t>
-            </a:r>
-            <a:r>
-              <a:rPr lang="ro-RO" sz="3600" dirty="0"/>
-              <a:t>unor exemple predefinite pentru fiecare </a:t>
-            </a:r>
-            <a:r>
-              <a:rPr lang="ro-RO" sz="3600" dirty="0" smtClean="0"/>
-              <a:t>instrument</a:t>
-            </a:r>
-          </a:p>
-          <a:p>
-            <a:pPr marL="201168" lvl="1" indent="0">
-              <a:buNone/>
-            </a:pPr>
-            <a:endParaRPr lang="ro-RO" sz="3600" dirty="0"/>
-          </a:p>
-          <a:p>
-            <a:pPr lvl="1">
-              <a:buFont typeface="Arial" panose="020B0604020202020204" pitchFamily="34" charset="0"/>
-              <a:buChar char="•"/>
-            </a:pPr>
-            <a:r>
-              <a:rPr lang="ro-RO" sz="3600" dirty="0" smtClean="0"/>
-              <a:t> Întreruperea </a:t>
-            </a:r>
-            <a:r>
-              <a:rPr lang="ro-RO" sz="3600" dirty="0"/>
-              <a:t>execuției unui </a:t>
-            </a:r>
-            <a:r>
-              <a:rPr lang="ro-RO" sz="3600" dirty="0" smtClean="0"/>
-              <a:t>instrument</a:t>
-            </a:r>
-            <a:endParaRPr lang="ro-RO" sz="3600" dirty="0"/>
-          </a:p>
-          <a:p>
-            <a:pPr lvl="1">
-              <a:buFont typeface="Arial" panose="020B0604020202020204" pitchFamily="34" charset="0"/>
-              <a:buChar char="•"/>
-            </a:pPr>
-            <a:endParaRPr lang="ro-RO" sz="3600" dirty="0" smtClean="0"/>
-          </a:p>
-          <a:p>
-            <a:pPr lvl="1">
-              <a:buFont typeface="Arial" panose="020B0604020202020204" pitchFamily="34" charset="0"/>
-              <a:buChar char="•"/>
-            </a:pPr>
-            <a:r>
-              <a:rPr lang="ro-RO" sz="3600" dirty="0"/>
-              <a:t> </a:t>
-            </a:r>
-            <a:r>
-              <a:rPr lang="ro-RO" sz="3600" dirty="0" smtClean="0"/>
-              <a:t>Afișarea rezultatelor obținute</a:t>
+              <a:t>Execuția instrumentelor în PHP</a:t>
             </a:r>
             <a:endParaRPr lang="ro-RO" sz="3600" dirty="0"/>
           </a:p>
@@ -4806,7 +4566,7 @@
     </p:spTree>
     <p:extLst>
       <p:ext uri="{BB962C8B-B14F-4D97-AF65-F5344CB8AC3E}">
-        <p14:creationId xmlns:p14="http://schemas.microsoft.com/office/powerpoint/2010/main" val="4187951983"/>
+        <p14:creationId xmlns:p14="http://schemas.microsoft.com/office/powerpoint/2010/main" val="1601766298"/>
       </p:ext>
     </p:extLst>
   </p:cSld>
@@ -4859,7 +4619,7 @@
           <a:p>
             <a:r>
               <a:rPr lang="ro-RO" sz="5400" dirty="0" smtClean="0"/>
-              <a:t>Aplicația la nivel de frontend</a:t>
+              <a:t>Măsuri de securitate</a:t>
             </a:r>
             <a:endParaRPr lang="ro-RO" sz="5400" dirty="0"/>
           </a:p>
@@ -4883,22 +4643,18 @@
             <a:pPr marL="0" indent="0">
               <a:buNone/>
             </a:pPr>
-            <a:endParaRPr lang="ro-RO" dirty="0"/>
+            <a:endParaRPr lang="ro-RO" sz="3600" dirty="0" smtClean="0"/>
+          </a:p>
+          <a:p>
+            <a:r>
+              <a:rPr lang="ro-RO" sz="3600" dirty="0" smtClean="0"/>
+              <a:t>Docker este o platformă ce încapsulează și gestionează aplicații Linux</a:t>
+            </a:r>
           </a:p>
           <a:p>
             <a:pPr marL="0" indent="0">
               <a:buNone/>
             </a:pPr>
-            <a:endParaRPr lang="ro-RO" sz="3600" dirty="0" smtClean="0"/>
-          </a:p>
-          <a:p>
-            <a:pPr marL="0" indent="0">
-              <a:buNone/>
-            </a:pPr>
-            <a:r>
-              <a:rPr lang="ro-RO" sz="3600" dirty="0" smtClean="0"/>
-              <a:t> AngularJS și modularitatea</a:t>
-            </a:r>
             <a:endParaRPr lang="ro-RO" sz="3600" dirty="0"/>
           </a:p>
         </p:txBody>
@@ -4930,7 +4686,7 @@
     </p:spTree>
     <p:extLst>
       <p:ext uri="{BB962C8B-B14F-4D97-AF65-F5344CB8AC3E}">
-        <p14:creationId xmlns:p14="http://schemas.microsoft.com/office/powerpoint/2010/main" val="523488221"/>
+        <p14:creationId xmlns:p14="http://schemas.microsoft.com/office/powerpoint/2010/main" val="3198740680"/>
       </p:ext>
     </p:extLst>
   </p:cSld>
@@ -4983,7 +4739,7 @@
           <a:p>
             <a:r>
               <a:rPr lang="ro-RO" sz="5400" dirty="0" smtClean="0"/>
-              <a:t>Aplicația la nivel de backend</a:t>
+              <a:t>Măsuri de securitate</a:t>
             </a:r>
             <a:endParaRPr lang="ro-RO" sz="5400" dirty="0"/>
           </a:p>
@@ -5004,16 +4760,15 @@
           <a:bodyPr/>
           <a:lstStyle/>
           <a:p>
-            <a:endParaRPr lang="ro-RO" dirty="0" smtClean="0"/>
-          </a:p>
-          <a:p>
-            <a:endParaRPr lang="ro-RO" sz="3600" dirty="0"/>
-          </a:p>
-          <a:p>
-            <a:r>
-              <a:rPr lang="ro-RO" sz="3600" dirty="0" smtClean="0"/>
-              <a:t>Execuția instrumentelor în PHP</a:t>
-            </a:r>
+            <a:pPr marL="0" indent="0">
+              <a:buNone/>
+            </a:pPr>
+            <a:endParaRPr lang="ro-RO" sz="3600" dirty="0" smtClean="0"/>
+          </a:p>
+          <a:p>
+            <a:pPr marL="0" indent="0">
+              <a:buNone/>
+            </a:pPr>
             <a:endParaRPr lang="ro-RO" sz="3600" dirty="0"/>
           </a:p>
         </p:txBody>
@@ -5037,240 +4792,6 @@
               <a:rPr lang="en-US" sz="2000" smtClean="0"/>
               <a:pPr/>
               <a:t>6</a:t>
-            </a:fld>
-            <a:endParaRPr lang="en-US" sz="2000" dirty="0"/>
-          </a:p>
-        </p:txBody>
-      </p:sp>
-    </p:spTree>
-    <p:extLst>
-      <p:ext uri="{BB962C8B-B14F-4D97-AF65-F5344CB8AC3E}">
-        <p14:creationId xmlns:p14="http://schemas.microsoft.com/office/powerpoint/2010/main" val="1601766298"/>
-      </p:ext>
-    </p:extLst>
-  </p:cSld>
-  <p:clrMapOvr>
-    <a:masterClrMapping/>
-  </p:clrMapOvr>
-  <p:timing>
-    <p:tnLst>
-      <p:par>
-        <p:cTn id="1" dur="indefinite" restart="never" nodeType="tmRoot"/>
-      </p:par>
-    </p:tnLst>
-  </p:timing>
-</p:sld>
-</file>
-
-<file path=ppt/slides/slide7.xml><?xml version="1.0" encoding="utf-8"?>
-<p:sld xmlns:a="http://schemas.openxmlformats.org/drawingml/2006/main" xmlns:r="http://schemas.openxmlformats.org/officeDocument/2006/relationships" xmlns:p="http://schemas.openxmlformats.org/presentationml/2006/main">
-  <p:cSld>
-    <p:spTree>
-      <p:nvGrpSpPr>
-        <p:cNvPr id="1" name=""/>
-        <p:cNvGrpSpPr/>
-        <p:nvPr/>
-      </p:nvGrpSpPr>
-      <p:grpSpPr>
-        <a:xfrm>
-          <a:off x="0" y="0"/>
-          <a:ext cx="0" cy="0"/>
-          <a:chOff x="0" y="0"/>
-          <a:chExt cx="0" cy="0"/>
-        </a:xfrm>
-      </p:grpSpPr>
-      <p:sp>
-        <p:nvSpPr>
-          <p:cNvPr id="2" name="Title 1"/>
-          <p:cNvSpPr>
-            <a:spLocks noGrp="1"/>
-          </p:cNvSpPr>
-          <p:nvPr>
-            <p:ph type="title"/>
-          </p:nvPr>
-        </p:nvSpPr>
-        <p:spPr/>
-        <p:txBody>
-          <a:bodyPr>
-            <a:normAutofit/>
-          </a:bodyPr>
-          <a:lstStyle/>
-          <a:p>
-            <a:r>
-              <a:rPr lang="ro-RO" sz="5400" dirty="0" smtClean="0"/>
-              <a:t>Măsuri de securitate</a:t>
-            </a:r>
-            <a:endParaRPr lang="ro-RO" sz="5400" dirty="0"/>
-          </a:p>
-        </p:txBody>
-      </p:sp>
-      <p:sp>
-        <p:nvSpPr>
-          <p:cNvPr id="3" name="Content Placeholder 2"/>
-          <p:cNvSpPr>
-            <a:spLocks noGrp="1"/>
-          </p:cNvSpPr>
-          <p:nvPr>
-            <p:ph idx="1"/>
-          </p:nvPr>
-        </p:nvSpPr>
-        <p:spPr/>
-        <p:txBody>
-          <a:bodyPr/>
-          <a:lstStyle/>
-          <a:p>
-            <a:pPr marL="0" indent="0">
-              <a:buNone/>
-            </a:pPr>
-            <a:endParaRPr lang="ro-RO" sz="3600" dirty="0" smtClean="0"/>
-          </a:p>
-          <a:p>
-            <a:r>
-              <a:rPr lang="ro-RO" sz="3600" dirty="0" smtClean="0"/>
-              <a:t>Docker este o platformă ce încapsulează și gestionează aplicații Linux</a:t>
-            </a:r>
-          </a:p>
-          <a:p>
-            <a:pPr marL="0" indent="0">
-              <a:buNone/>
-            </a:pPr>
-            <a:endParaRPr lang="ro-RO" sz="3600" dirty="0"/>
-          </a:p>
-        </p:txBody>
-      </p:sp>
-      <p:sp>
-        <p:nvSpPr>
-          <p:cNvPr id="4" name="Slide Number Placeholder 3"/>
-          <p:cNvSpPr>
-            <a:spLocks noGrp="1"/>
-          </p:cNvSpPr>
-          <p:nvPr>
-            <p:ph type="sldNum" sz="quarter" idx="12"/>
-          </p:nvPr>
-        </p:nvSpPr>
-        <p:spPr/>
-        <p:txBody>
-          <a:bodyPr/>
-          <a:lstStyle/>
-          <a:p>
-            <a:fld id="{4FAB73BC-B049-4115-A692-8D63A059BFB8}" type="slidenum">
-              <a:rPr lang="en-US" sz="2000" smtClean="0"/>
-              <a:pPr/>
-              <a:t>7</a:t>
-            </a:fld>
-            <a:endParaRPr lang="en-US" sz="2000" dirty="0"/>
-          </a:p>
-        </p:txBody>
-      </p:sp>
-    </p:spTree>
-    <p:extLst>
-      <p:ext uri="{BB962C8B-B14F-4D97-AF65-F5344CB8AC3E}">
-        <p14:creationId xmlns:p14="http://schemas.microsoft.com/office/powerpoint/2010/main" val="3198740680"/>
-      </p:ext>
-    </p:extLst>
-  </p:cSld>
-  <p:clrMapOvr>
-    <a:masterClrMapping/>
-  </p:clrMapOvr>
-  <p:timing>
-    <p:tnLst>
-      <p:par>
-        <p:cTn id="1" dur="indefinite" restart="never" nodeType="tmRoot"/>
-      </p:par>
-    </p:tnLst>
-  </p:timing>
-</p:sld>
-</file>
-
-<file path=ppt/slides/slide8.xml><?xml version="1.0" encoding="utf-8"?>
-<p:sld xmlns:a="http://schemas.openxmlformats.org/drawingml/2006/main" xmlns:r="http://schemas.openxmlformats.org/officeDocument/2006/relationships" xmlns:p="http://schemas.openxmlformats.org/presentationml/2006/main">
-  <p:cSld>
-    <p:spTree>
-      <p:nvGrpSpPr>
-        <p:cNvPr id="1" name=""/>
-        <p:cNvGrpSpPr/>
-        <p:nvPr/>
-      </p:nvGrpSpPr>
-      <p:grpSpPr>
-        <a:xfrm>
-          <a:off x="0" y="0"/>
-          <a:ext cx="0" cy="0"/>
-          <a:chOff x="0" y="0"/>
-          <a:chExt cx="0" cy="0"/>
-        </a:xfrm>
-      </p:grpSpPr>
-      <p:sp>
-        <p:nvSpPr>
-          <p:cNvPr id="2" name="Title 1"/>
-          <p:cNvSpPr>
-            <a:spLocks noGrp="1"/>
-          </p:cNvSpPr>
-          <p:nvPr>
-            <p:ph type="title"/>
-          </p:nvPr>
-        </p:nvSpPr>
-        <p:spPr/>
-        <p:txBody>
-          <a:bodyPr>
-            <a:normAutofit/>
-          </a:bodyPr>
-          <a:lstStyle/>
-          <a:p>
-            <a:r>
-              <a:rPr lang="ro-RO" sz="5400" dirty="0" smtClean="0"/>
-              <a:t>Măsuri de securitate</a:t>
-            </a:r>
-            <a:endParaRPr lang="ro-RO" sz="5400" dirty="0"/>
-          </a:p>
-        </p:txBody>
-      </p:sp>
-      <p:sp>
-        <p:nvSpPr>
-          <p:cNvPr id="3" name="Content Placeholder 2"/>
-          <p:cNvSpPr>
-            <a:spLocks noGrp="1"/>
-          </p:cNvSpPr>
-          <p:nvPr>
-            <p:ph idx="1"/>
-          </p:nvPr>
-        </p:nvSpPr>
-        <p:spPr/>
-        <p:txBody>
-          <a:bodyPr/>
-          <a:lstStyle/>
-          <a:p>
-            <a:pPr marL="0" indent="0">
-              <a:buNone/>
-            </a:pPr>
-            <a:endParaRPr lang="ro-RO" sz="3600" dirty="0" smtClean="0"/>
-          </a:p>
-          <a:p>
-            <a:pPr marL="0" indent="0">
-              <a:buNone/>
-            </a:pPr>
-            <a:endParaRPr lang="ro-RO" sz="3600" dirty="0"/>
-          </a:p>
-        </p:txBody>
-      </p:sp>
-      <p:sp>
-        <p:nvSpPr>
-          <p:cNvPr id="4" name="Slide Number Placeholder 3"/>
-          <p:cNvSpPr>
-            <a:spLocks noGrp="1"/>
-          </p:cNvSpPr>
-          <p:nvPr>
-            <p:ph type="sldNum" sz="quarter" idx="12"/>
-          </p:nvPr>
-        </p:nvSpPr>
-        <p:spPr/>
-        <p:txBody>
-          <a:bodyPr/>
-          <a:lstStyle/>
-          <a:p>
-            <a:fld id="{4FAB73BC-B049-4115-A692-8D63A059BFB8}" type="slidenum">
-              <a:rPr lang="en-US" sz="2000" smtClean="0"/>
-              <a:pPr/>
-              <a:t>8</a:t>
             </a:fld>
             <a:endParaRPr lang="en-US" sz="2000" dirty="0"/>
           </a:p>
@@ -5585,7 +5106,7 @@
 </p:sld>
 </file>
 
-<file path=ppt/slides/slide9.xml><?xml version="1.0" encoding="utf-8"?>
+<file path=ppt/slides/slide7.xml><?xml version="1.0" encoding="utf-8"?>
 <p:sld xmlns:a="http://schemas.openxmlformats.org/drawingml/2006/main" xmlns:r="http://schemas.openxmlformats.org/officeDocument/2006/relationships" xmlns:p="http://schemas.openxmlformats.org/presentationml/2006/main">
   <p:cSld>
     <p:spTree>
@@ -5645,7 +5166,7 @@
             <a:fld id="{4FAB73BC-B049-4115-A692-8D63A059BFB8}" type="slidenum">
               <a:rPr lang="en-US" sz="2000" smtClean="0"/>
               <a:pPr/>
-              <a:t>9</a:t>
+              <a:t>7</a:t>
             </a:fld>
             <a:endParaRPr lang="en-US" sz="2000" dirty="0"/>
           </a:p>
